--- a/opencamp02.pptx
+++ b/opencamp02.pptx
@@ -6,25 +6,24 @@
   </p:sldMasterIdLst>
   <p:sldIdLst>
     <p:sldId id="256" r:id="rId2"/>
-    <p:sldId id="257" r:id="rId3"/>
-    <p:sldId id="268" r:id="rId4"/>
-    <p:sldId id="269" r:id="rId5"/>
-    <p:sldId id="258" r:id="rId6"/>
-    <p:sldId id="263" r:id="rId7"/>
-    <p:sldId id="259" r:id="rId8"/>
-    <p:sldId id="260" r:id="rId9"/>
-    <p:sldId id="261" r:id="rId10"/>
-    <p:sldId id="262" r:id="rId11"/>
-    <p:sldId id="265" r:id="rId12"/>
-    <p:sldId id="266" r:id="rId13"/>
-    <p:sldId id="267" r:id="rId14"/>
-    <p:sldId id="264" r:id="rId15"/>
-    <p:sldId id="270" r:id="rId16"/>
-    <p:sldId id="271" r:id="rId17"/>
-    <p:sldId id="272" r:id="rId18"/>
-    <p:sldId id="273" r:id="rId19"/>
-    <p:sldId id="274" r:id="rId20"/>
-    <p:sldId id="275" r:id="rId21"/>
+    <p:sldId id="268" r:id="rId3"/>
+    <p:sldId id="269" r:id="rId4"/>
+    <p:sldId id="258" r:id="rId5"/>
+    <p:sldId id="263" r:id="rId6"/>
+    <p:sldId id="259" r:id="rId7"/>
+    <p:sldId id="260" r:id="rId8"/>
+    <p:sldId id="261" r:id="rId9"/>
+    <p:sldId id="262" r:id="rId10"/>
+    <p:sldId id="265" r:id="rId11"/>
+    <p:sldId id="266" r:id="rId12"/>
+    <p:sldId id="267" r:id="rId13"/>
+    <p:sldId id="264" r:id="rId14"/>
+    <p:sldId id="270" r:id="rId15"/>
+    <p:sldId id="271" r:id="rId16"/>
+    <p:sldId id="272" r:id="rId17"/>
+    <p:sldId id="273" r:id="rId18"/>
+    <p:sldId id="274" r:id="rId19"/>
+    <p:sldId id="275" r:id="rId20"/>
   </p:sldIdLst>
   <p:sldSz cx="12192000" cy="6858000"/>
   <p:notesSz cx="6858000" cy="9144000"/>
@@ -3563,915 +3562,6 @@
         </p:nvSpPr>
         <p:spPr>
           <a:xfrm>
-            <a:off x="531841" y="304799"/>
-            <a:ext cx="7073687" cy="584775"/>
-          </a:xfrm>
-          <a:prstGeom prst="rect">
-            <a:avLst/>
-          </a:prstGeom>
-          <a:noFill/>
-        </p:spPr>
-        <p:txBody>
-          <a:bodyPr wrap="square" rtlCol="0">
-            <a:spAutoFit/>
-          </a:bodyPr>
-          <a:lstStyle/>
-          <a:p>
-            <a:pPr lvl="0" hangingPunct="0">
-              <a:defRPr sz="3200">
-                <a:solidFill>
-                  <a:srgbClr val="DDDDDD"/>
-                </a:solidFill>
-              </a:defRPr>
-            </a:pPr>
-            <a:r>
-              <a:rPr lang="fr-FR" dirty="0">
-                <a:solidFill>
-                  <a:schemeClr val="tx1">
-                    <a:lumMod val="85000"/>
-                    <a:lumOff val="15000"/>
-                  </a:schemeClr>
-                </a:solidFill>
-                <a:latin typeface="Liberation Sans" pitchFamily="18"/>
-                <a:ea typeface="Droid Sans Fallback" pitchFamily="2"/>
-                <a:cs typeface="Droid Sans Devanagari" pitchFamily="2"/>
-              </a:rPr>
-              <a:t>Comment ça marche ? - variables</a:t>
-            </a:r>
-          </a:p>
-        </p:txBody>
-      </p:sp>
-      <p:pic>
-        <p:nvPicPr>
-          <p:cNvPr id="5" name="Picture 4">
-            <a:extLst>
-              <a:ext uri="{FF2B5EF4-FFF2-40B4-BE49-F238E27FC236}">
-                <a16:creationId xmlns:a16="http://schemas.microsoft.com/office/drawing/2014/main" id="{01ED9DF5-AD49-4CAD-B9E1-8158DE94AE48}"/>
-              </a:ext>
-            </a:extLst>
-          </p:cNvPr>
-          <p:cNvPicPr>
-            <a:picLocks noChangeAspect="1"/>
-          </p:cNvPicPr>
-          <p:nvPr/>
-        </p:nvPicPr>
-        <p:blipFill>
-          <a:blip r:embed="rId2">
-            <a:extLst>
-              <a:ext uri="{28A0092B-C50C-407E-A947-70E740481C1C}">
-                <a14:useLocalDpi xmlns:a14="http://schemas.microsoft.com/office/drawing/2010/main" val="0"/>
-              </a:ext>
-            </a:extLst>
-          </a:blip>
-          <a:stretch>
-            <a:fillRect/>
-          </a:stretch>
-        </p:blipFill>
-        <p:spPr>
-          <a:xfrm>
-            <a:off x="-1837555" y="533126"/>
-            <a:ext cx="16073935" cy="4463697"/>
-          </a:xfrm>
-          <a:prstGeom prst="rect">
-            <a:avLst/>
-          </a:prstGeom>
-        </p:spPr>
-      </p:pic>
-      <p:sp>
-        <p:nvSpPr>
-          <p:cNvPr id="6" name="Right Brace 5">
-            <a:extLst>
-              <a:ext uri="{FF2B5EF4-FFF2-40B4-BE49-F238E27FC236}">
-                <a16:creationId xmlns:a16="http://schemas.microsoft.com/office/drawing/2014/main" id="{770BC3B1-FE32-4408-B0D3-CEF291644DF6}"/>
-              </a:ext>
-            </a:extLst>
-          </p:cNvPr>
-          <p:cNvSpPr/>
-          <p:nvPr/>
-        </p:nvSpPr>
-        <p:spPr>
-          <a:xfrm rot="5400000">
-            <a:off x="4591213" y="2365528"/>
-            <a:ext cx="322217" cy="1423090"/>
-          </a:xfrm>
-          <a:prstGeom prst="rightBrace">
-            <a:avLst/>
-          </a:prstGeom>
-          <a:ln w="28575">
-            <a:solidFill>
-              <a:srgbClr val="00B050"/>
-            </a:solidFill>
-          </a:ln>
-        </p:spPr>
-        <p:style>
-          <a:lnRef idx="3">
-            <a:schemeClr val="dk1"/>
-          </a:lnRef>
-          <a:fillRef idx="0">
-            <a:schemeClr val="dk1"/>
-          </a:fillRef>
-          <a:effectRef idx="2">
-            <a:schemeClr val="dk1"/>
-          </a:effectRef>
-          <a:fontRef idx="minor">
-            <a:schemeClr val="tx1"/>
-          </a:fontRef>
-        </p:style>
-        <p:txBody>
-          <a:bodyPr rtlCol="0" anchor="ctr"/>
-          <a:lstStyle/>
-          <a:p>
-            <a:pPr algn="ctr"/>
-            <a:endParaRPr lang="fr-FR" dirty="0">
-              <a:solidFill>
-                <a:srgbClr val="FF0000"/>
-              </a:solidFill>
-              <a:highlight>
-                <a:srgbClr val="FFFF00"/>
-              </a:highlight>
-            </a:endParaRPr>
-          </a:p>
-        </p:txBody>
-      </p:sp>
-      <p:sp>
-        <p:nvSpPr>
-          <p:cNvPr id="7" name="Right Brace 6">
-            <a:extLst>
-              <a:ext uri="{FF2B5EF4-FFF2-40B4-BE49-F238E27FC236}">
-                <a16:creationId xmlns:a16="http://schemas.microsoft.com/office/drawing/2014/main" id="{1F6D366E-A91D-4718-889D-C5BE1497F2AC}"/>
-              </a:ext>
-            </a:extLst>
-          </p:cNvPr>
-          <p:cNvSpPr/>
-          <p:nvPr/>
-        </p:nvSpPr>
-        <p:spPr>
-          <a:xfrm rot="5400000">
-            <a:off x="6181583" y="2459222"/>
-            <a:ext cx="322217" cy="1235701"/>
-          </a:xfrm>
-          <a:prstGeom prst="rightBrace">
-            <a:avLst/>
-          </a:prstGeom>
-          <a:ln w="28575">
-            <a:solidFill>
-              <a:srgbClr val="0070C0"/>
-            </a:solidFill>
-          </a:ln>
-        </p:spPr>
-        <p:style>
-          <a:lnRef idx="3">
-            <a:schemeClr val="dk1"/>
-          </a:lnRef>
-          <a:fillRef idx="0">
-            <a:schemeClr val="dk1"/>
-          </a:fillRef>
-          <a:effectRef idx="2">
-            <a:schemeClr val="dk1"/>
-          </a:effectRef>
-          <a:fontRef idx="minor">
-            <a:schemeClr val="tx1"/>
-          </a:fontRef>
-        </p:style>
-        <p:txBody>
-          <a:bodyPr rtlCol="0" anchor="ctr"/>
-          <a:lstStyle/>
-          <a:p>
-            <a:pPr algn="ctr"/>
-            <a:endParaRPr lang="fr-FR" dirty="0">
-              <a:solidFill>
-                <a:srgbClr val="FF0000"/>
-              </a:solidFill>
-              <a:highlight>
-                <a:srgbClr val="FFFF00"/>
-              </a:highlight>
-            </a:endParaRPr>
-          </a:p>
-        </p:txBody>
-      </p:sp>
-      <p:sp>
-        <p:nvSpPr>
-          <p:cNvPr id="8" name="Right Brace 7">
-            <a:extLst>
-              <a:ext uri="{FF2B5EF4-FFF2-40B4-BE49-F238E27FC236}">
-                <a16:creationId xmlns:a16="http://schemas.microsoft.com/office/drawing/2014/main" id="{4C1631EA-81A2-4373-8C35-B8BFED36E546}"/>
-              </a:ext>
-            </a:extLst>
-          </p:cNvPr>
-          <p:cNvSpPr/>
-          <p:nvPr/>
-        </p:nvSpPr>
-        <p:spPr>
-          <a:xfrm rot="5400000">
-            <a:off x="8110835" y="2410657"/>
-            <a:ext cx="322217" cy="1332829"/>
-          </a:xfrm>
-          <a:prstGeom prst="rightBrace">
-            <a:avLst/>
-          </a:prstGeom>
-          <a:ln w="28575">
-            <a:solidFill>
-              <a:srgbClr val="C00000"/>
-            </a:solidFill>
-          </a:ln>
-        </p:spPr>
-        <p:style>
-          <a:lnRef idx="3">
-            <a:schemeClr val="dk1"/>
-          </a:lnRef>
-          <a:fillRef idx="0">
-            <a:schemeClr val="dk1"/>
-          </a:fillRef>
-          <a:effectRef idx="2">
-            <a:schemeClr val="dk1"/>
-          </a:effectRef>
-          <a:fontRef idx="minor">
-            <a:schemeClr val="tx1"/>
-          </a:fontRef>
-        </p:style>
-        <p:txBody>
-          <a:bodyPr rtlCol="0" anchor="ctr"/>
-          <a:lstStyle/>
-          <a:p>
-            <a:pPr algn="ctr"/>
-            <a:endParaRPr lang="fr-FR" dirty="0">
-              <a:solidFill>
-                <a:srgbClr val="FF0000"/>
-              </a:solidFill>
-              <a:highlight>
-                <a:srgbClr val="FFFF00"/>
-              </a:highlight>
-            </a:endParaRPr>
-          </a:p>
-        </p:txBody>
-      </p:sp>
-      <p:cxnSp>
-        <p:nvCxnSpPr>
-          <p:cNvPr id="15" name="Straight Arrow Connector 14">
-            <a:extLst>
-              <a:ext uri="{FF2B5EF4-FFF2-40B4-BE49-F238E27FC236}">
-                <a16:creationId xmlns:a16="http://schemas.microsoft.com/office/drawing/2014/main" id="{69F7866D-A518-4790-81B0-BCE61ED7FF19}"/>
-              </a:ext>
-            </a:extLst>
-          </p:cNvPr>
-          <p:cNvCxnSpPr>
-            <a:cxnSpLocks/>
-          </p:cNvCxnSpPr>
-          <p:nvPr/>
-        </p:nvCxnSpPr>
-        <p:spPr>
-          <a:xfrm flipH="1">
-            <a:off x="3089429" y="3645622"/>
-            <a:ext cx="1662893" cy="701936"/>
-          </a:xfrm>
-          <a:prstGeom prst="straightConnector1">
-            <a:avLst/>
-          </a:prstGeom>
-          <a:ln w="28575">
-            <a:solidFill>
-              <a:srgbClr val="00B050"/>
-            </a:solidFill>
-            <a:tailEnd type="triangle"/>
-          </a:ln>
-        </p:spPr>
-        <p:style>
-          <a:lnRef idx="3">
-            <a:schemeClr val="dk1"/>
-          </a:lnRef>
-          <a:fillRef idx="0">
-            <a:schemeClr val="dk1"/>
-          </a:fillRef>
-          <a:effectRef idx="2">
-            <a:schemeClr val="dk1"/>
-          </a:effectRef>
-          <a:fontRef idx="minor">
-            <a:schemeClr val="tx1"/>
-          </a:fontRef>
-        </p:style>
-      </p:cxnSp>
-      <p:sp>
-        <p:nvSpPr>
-          <p:cNvPr id="19" name="TextBox 18">
-            <a:extLst>
-              <a:ext uri="{FF2B5EF4-FFF2-40B4-BE49-F238E27FC236}">
-                <a16:creationId xmlns:a16="http://schemas.microsoft.com/office/drawing/2014/main" id="{64DF94B5-0379-4A54-A2C6-D35F9DA16A7D}"/>
-              </a:ext>
-            </a:extLst>
-          </p:cNvPr>
-          <p:cNvSpPr txBox="1"/>
-          <p:nvPr/>
-        </p:nvSpPr>
-        <p:spPr>
-          <a:xfrm>
-            <a:off x="1982693" y="4468429"/>
-            <a:ext cx="1114652" cy="646331"/>
-          </a:xfrm>
-          <a:prstGeom prst="rect">
-            <a:avLst/>
-          </a:prstGeom>
-          <a:noFill/>
-        </p:spPr>
-        <p:txBody>
-          <a:bodyPr wrap="square" rtlCol="0">
-            <a:spAutoFit/>
-          </a:bodyPr>
-          <a:lstStyle/>
-          <a:p>
-            <a:r>
-              <a:rPr lang="fr-FR" sz="3600" dirty="0">
-                <a:solidFill>
-                  <a:srgbClr val="00B050"/>
-                </a:solidFill>
-              </a:rPr>
-              <a:t>Nom </a:t>
-            </a:r>
-          </a:p>
-        </p:txBody>
-      </p:sp>
-      <p:cxnSp>
-        <p:nvCxnSpPr>
-          <p:cNvPr id="20" name="Straight Arrow Connector 19">
-            <a:extLst>
-              <a:ext uri="{FF2B5EF4-FFF2-40B4-BE49-F238E27FC236}">
-                <a16:creationId xmlns:a16="http://schemas.microsoft.com/office/drawing/2014/main" id="{93FF9BF3-5C0B-4C6F-90BC-BA8CEA51F088}"/>
-              </a:ext>
-            </a:extLst>
-          </p:cNvPr>
-          <p:cNvCxnSpPr>
-            <a:cxnSpLocks/>
-          </p:cNvCxnSpPr>
-          <p:nvPr/>
-        </p:nvCxnSpPr>
-        <p:spPr>
-          <a:xfrm flipH="1">
-            <a:off x="6354369" y="3619820"/>
-            <a:ext cx="1" cy="848609"/>
-          </a:xfrm>
-          <a:prstGeom prst="straightConnector1">
-            <a:avLst/>
-          </a:prstGeom>
-          <a:ln w="28575">
-            <a:solidFill>
-              <a:srgbClr val="0070C0"/>
-            </a:solidFill>
-            <a:tailEnd type="triangle"/>
-          </a:ln>
-        </p:spPr>
-        <p:style>
-          <a:lnRef idx="3">
-            <a:schemeClr val="dk1"/>
-          </a:lnRef>
-          <a:fillRef idx="0">
-            <a:schemeClr val="dk1"/>
-          </a:fillRef>
-          <a:effectRef idx="2">
-            <a:schemeClr val="dk1"/>
-          </a:effectRef>
-          <a:fontRef idx="minor">
-            <a:schemeClr val="tx1"/>
-          </a:fontRef>
-        </p:style>
-      </p:cxnSp>
-      <p:sp>
-        <p:nvSpPr>
-          <p:cNvPr id="22" name="TextBox 21">
-            <a:extLst>
-              <a:ext uri="{FF2B5EF4-FFF2-40B4-BE49-F238E27FC236}">
-                <a16:creationId xmlns:a16="http://schemas.microsoft.com/office/drawing/2014/main" id="{1B291788-C28E-4A0F-BB13-0F480B4B5373}"/>
-              </a:ext>
-            </a:extLst>
-          </p:cNvPr>
-          <p:cNvSpPr txBox="1"/>
-          <p:nvPr/>
-        </p:nvSpPr>
-        <p:spPr>
-          <a:xfrm>
-            <a:off x="5785365" y="4469651"/>
-            <a:ext cx="1114652" cy="646331"/>
-          </a:xfrm>
-          <a:prstGeom prst="rect">
-            <a:avLst/>
-          </a:prstGeom>
-          <a:noFill/>
-        </p:spPr>
-        <p:txBody>
-          <a:bodyPr wrap="square" rtlCol="0">
-            <a:spAutoFit/>
-          </a:bodyPr>
-          <a:lstStyle/>
-          <a:p>
-            <a:r>
-              <a:rPr lang="fr-FR" sz="3600" dirty="0">
-                <a:solidFill>
-                  <a:srgbClr val="0070C0"/>
-                </a:solidFill>
-              </a:rPr>
-              <a:t>Type</a:t>
-            </a:r>
-          </a:p>
-        </p:txBody>
-      </p:sp>
-      <p:cxnSp>
-        <p:nvCxnSpPr>
-          <p:cNvPr id="23" name="Straight Arrow Connector 22">
-            <a:extLst>
-              <a:ext uri="{FF2B5EF4-FFF2-40B4-BE49-F238E27FC236}">
-                <a16:creationId xmlns:a16="http://schemas.microsoft.com/office/drawing/2014/main" id="{B92BF040-21B5-48EF-8FFD-976E9158B278}"/>
-              </a:ext>
-            </a:extLst>
-          </p:cNvPr>
-          <p:cNvCxnSpPr>
-            <a:cxnSpLocks/>
-          </p:cNvCxnSpPr>
-          <p:nvPr/>
-        </p:nvCxnSpPr>
-        <p:spPr>
-          <a:xfrm>
-            <a:off x="8271943" y="3677706"/>
-            <a:ext cx="1582271" cy="669852"/>
-          </a:xfrm>
-          <a:prstGeom prst="straightConnector1">
-            <a:avLst/>
-          </a:prstGeom>
-          <a:ln w="28575">
-            <a:solidFill>
-              <a:srgbClr val="C00000"/>
-            </a:solidFill>
-            <a:tailEnd type="triangle"/>
-          </a:ln>
-        </p:spPr>
-        <p:style>
-          <a:lnRef idx="3">
-            <a:schemeClr val="dk1"/>
-          </a:lnRef>
-          <a:fillRef idx="0">
-            <a:schemeClr val="dk1"/>
-          </a:fillRef>
-          <a:effectRef idx="2">
-            <a:schemeClr val="dk1"/>
-          </a:effectRef>
-          <a:fontRef idx="minor">
-            <a:schemeClr val="tx1"/>
-          </a:fontRef>
-        </p:style>
-      </p:cxnSp>
-      <p:sp>
-        <p:nvSpPr>
-          <p:cNvPr id="27" name="TextBox 26">
-            <a:extLst>
-              <a:ext uri="{FF2B5EF4-FFF2-40B4-BE49-F238E27FC236}">
-                <a16:creationId xmlns:a16="http://schemas.microsoft.com/office/drawing/2014/main" id="{777F3949-72AF-4479-A8BD-85B834DFDB72}"/>
-              </a:ext>
-            </a:extLst>
-          </p:cNvPr>
-          <p:cNvSpPr txBox="1"/>
-          <p:nvPr/>
-        </p:nvSpPr>
-        <p:spPr>
-          <a:xfrm>
-            <a:off x="9151855" y="4463918"/>
-            <a:ext cx="1404717" cy="646331"/>
-          </a:xfrm>
-          <a:prstGeom prst="rect">
-            <a:avLst/>
-          </a:prstGeom>
-          <a:noFill/>
-        </p:spPr>
-        <p:txBody>
-          <a:bodyPr wrap="square" rtlCol="0">
-            <a:spAutoFit/>
-          </a:bodyPr>
-          <a:lstStyle/>
-          <a:p>
-            <a:r>
-              <a:rPr lang="fr-FR" sz="3600" dirty="0">
-                <a:solidFill>
-                  <a:srgbClr val="C00000"/>
-                </a:solidFill>
-              </a:rPr>
-              <a:t>Valeur</a:t>
-            </a:r>
-          </a:p>
-        </p:txBody>
-      </p:sp>
-      <p:pic>
-        <p:nvPicPr>
-          <p:cNvPr id="32" name="Graphic 31">
-            <a:extLst>
-              <a:ext uri="{FF2B5EF4-FFF2-40B4-BE49-F238E27FC236}">
-                <a16:creationId xmlns:a16="http://schemas.microsoft.com/office/drawing/2014/main" id="{9C0A28FE-B3B7-4464-84A2-0C79E95F604F}"/>
-              </a:ext>
-            </a:extLst>
-          </p:cNvPr>
-          <p:cNvPicPr>
-            <a:picLocks noChangeAspect="1"/>
-          </p:cNvPicPr>
-          <p:nvPr/>
-        </p:nvPicPr>
-        <p:blipFill>
-          <a:blip r:embed="rId3">
-            <a:extLst>
-              <a:ext uri="{28A0092B-C50C-407E-A947-70E740481C1C}">
-                <a14:useLocalDpi xmlns:a14="http://schemas.microsoft.com/office/drawing/2010/main" val="0"/>
-              </a:ext>
-              <a:ext uri="{96DAC541-7B7A-43D3-8B79-37D633B846F1}">
-                <asvg:svgBlip xmlns:asvg="http://schemas.microsoft.com/office/drawing/2016/SVG/main" r:embed="rId4"/>
-              </a:ext>
-            </a:extLst>
-          </a:blip>
-          <a:stretch>
-            <a:fillRect/>
-          </a:stretch>
-        </p:blipFill>
-        <p:spPr>
-          <a:xfrm>
-            <a:off x="11242766" y="221192"/>
-            <a:ext cx="668382" cy="668382"/>
-          </a:xfrm>
-          <a:prstGeom prst="rect">
-            <a:avLst/>
-          </a:prstGeom>
-        </p:spPr>
-      </p:pic>
-    </p:spTree>
-    <p:extLst>
-      <p:ext uri="{BB962C8B-B14F-4D97-AF65-F5344CB8AC3E}">
-        <p14:creationId xmlns:p14="http://schemas.microsoft.com/office/powerpoint/2010/main" val="2368392021"/>
-      </p:ext>
-    </p:extLst>
-  </p:cSld>
-  <p:clrMapOvr>
-    <a:masterClrMapping/>
-  </p:clrMapOvr>
-  <p:timing>
-    <p:tnLst>
-      <p:par>
-        <p:cTn id="1" dur="indefinite" restart="never" nodeType="tmRoot">
-          <p:childTnLst>
-            <p:seq concurrent="1" nextAc="seek">
-              <p:cTn id="2" dur="indefinite" nodeType="mainSeq">
-                <p:childTnLst>
-                  <p:par>
-                    <p:cTn id="3" fill="hold">
-                      <p:stCondLst>
-                        <p:cond delay="indefinite"/>
-                      </p:stCondLst>
-                      <p:childTnLst>
-                        <p:par>
-                          <p:cTn id="4" fill="hold">
-                            <p:stCondLst>
-                              <p:cond delay="0"/>
-                            </p:stCondLst>
-                            <p:childTnLst>
-                              <p:par>
-                                <p:cTn id="5" presetID="1" presetClass="entr" presetSubtype="0" fill="hold" grpId="0" nodeType="clickEffect">
-                                  <p:stCondLst>
-                                    <p:cond delay="0"/>
-                                  </p:stCondLst>
-                                  <p:childTnLst>
-                                    <p:set>
-                                      <p:cBhvr>
-                                        <p:cTn id="6" dur="1" fill="hold">
-                                          <p:stCondLst>
-                                            <p:cond delay="0"/>
-                                          </p:stCondLst>
-                                        </p:cTn>
-                                        <p:tgtEl>
-                                          <p:spTgt spid="19"/>
-                                        </p:tgtEl>
-                                        <p:attrNameLst>
-                                          <p:attrName>style.visibility</p:attrName>
-                                        </p:attrNameLst>
-                                      </p:cBhvr>
-                                      <p:to>
-                                        <p:strVal val="visible"/>
-                                      </p:to>
-                                    </p:set>
-                                  </p:childTnLst>
-                                </p:cTn>
-                              </p:par>
-                              <p:par>
-                                <p:cTn id="7" presetID="1" presetClass="entr" presetSubtype="0" fill="hold" grpId="0" nodeType="withEffect">
-                                  <p:stCondLst>
-                                    <p:cond delay="0"/>
-                                  </p:stCondLst>
-                                  <p:childTnLst>
-                                    <p:set>
-                                      <p:cBhvr>
-                                        <p:cTn id="8" dur="1" fill="hold">
-                                          <p:stCondLst>
-                                            <p:cond delay="0"/>
-                                          </p:stCondLst>
-                                        </p:cTn>
-                                        <p:tgtEl>
-                                          <p:spTgt spid="6"/>
-                                        </p:tgtEl>
-                                        <p:attrNameLst>
-                                          <p:attrName>style.visibility</p:attrName>
-                                        </p:attrNameLst>
-                                      </p:cBhvr>
-                                      <p:to>
-                                        <p:strVal val="visible"/>
-                                      </p:to>
-                                    </p:set>
-                                  </p:childTnLst>
-                                </p:cTn>
-                              </p:par>
-                              <p:par>
-                                <p:cTn id="9" presetID="1" presetClass="entr" presetSubtype="0" fill="hold" nodeType="withEffect">
-                                  <p:stCondLst>
-                                    <p:cond delay="0"/>
-                                  </p:stCondLst>
-                                  <p:childTnLst>
-                                    <p:set>
-                                      <p:cBhvr>
-                                        <p:cTn id="10" dur="1" fill="hold">
-                                          <p:stCondLst>
-                                            <p:cond delay="0"/>
-                                          </p:stCondLst>
-                                        </p:cTn>
-                                        <p:tgtEl>
-                                          <p:spTgt spid="15"/>
-                                        </p:tgtEl>
-                                        <p:attrNameLst>
-                                          <p:attrName>style.visibility</p:attrName>
-                                        </p:attrNameLst>
-                                      </p:cBhvr>
-                                      <p:to>
-                                        <p:strVal val="visible"/>
-                                      </p:to>
-                                    </p:set>
-                                  </p:childTnLst>
-                                </p:cTn>
-                              </p:par>
-                            </p:childTnLst>
-                          </p:cTn>
-                        </p:par>
-                      </p:childTnLst>
-                    </p:cTn>
-                  </p:par>
-                  <p:par>
-                    <p:cTn id="11" fill="hold">
-                      <p:stCondLst>
-                        <p:cond delay="indefinite"/>
-                      </p:stCondLst>
-                      <p:childTnLst>
-                        <p:par>
-                          <p:cTn id="12" fill="hold">
-                            <p:stCondLst>
-                              <p:cond delay="0"/>
-                            </p:stCondLst>
-                            <p:childTnLst>
-                              <p:par>
-                                <p:cTn id="13" presetID="1" presetClass="entr" presetSubtype="0" fill="hold" grpId="0" nodeType="clickEffect">
-                                  <p:stCondLst>
-                                    <p:cond delay="0"/>
-                                  </p:stCondLst>
-                                  <p:childTnLst>
-                                    <p:set>
-                                      <p:cBhvr>
-                                        <p:cTn id="14" dur="1" fill="hold">
-                                          <p:stCondLst>
-                                            <p:cond delay="0"/>
-                                          </p:stCondLst>
-                                        </p:cTn>
-                                        <p:tgtEl>
-                                          <p:spTgt spid="7"/>
-                                        </p:tgtEl>
-                                        <p:attrNameLst>
-                                          <p:attrName>style.visibility</p:attrName>
-                                        </p:attrNameLst>
-                                      </p:cBhvr>
-                                      <p:to>
-                                        <p:strVal val="visible"/>
-                                      </p:to>
-                                    </p:set>
-                                  </p:childTnLst>
-                                </p:cTn>
-                              </p:par>
-                              <p:par>
-                                <p:cTn id="15" presetID="1" presetClass="entr" presetSubtype="0" fill="hold" nodeType="withEffect">
-                                  <p:stCondLst>
-                                    <p:cond delay="0"/>
-                                  </p:stCondLst>
-                                  <p:childTnLst>
-                                    <p:set>
-                                      <p:cBhvr>
-                                        <p:cTn id="16" dur="1" fill="hold">
-                                          <p:stCondLst>
-                                            <p:cond delay="0"/>
-                                          </p:stCondLst>
-                                        </p:cTn>
-                                        <p:tgtEl>
-                                          <p:spTgt spid="20"/>
-                                        </p:tgtEl>
-                                        <p:attrNameLst>
-                                          <p:attrName>style.visibility</p:attrName>
-                                        </p:attrNameLst>
-                                      </p:cBhvr>
-                                      <p:to>
-                                        <p:strVal val="visible"/>
-                                      </p:to>
-                                    </p:set>
-                                  </p:childTnLst>
-                                </p:cTn>
-                              </p:par>
-                              <p:par>
-                                <p:cTn id="17" presetID="1" presetClass="entr" presetSubtype="0" fill="hold" grpId="0" nodeType="withEffect">
-                                  <p:stCondLst>
-                                    <p:cond delay="0"/>
-                                  </p:stCondLst>
-                                  <p:childTnLst>
-                                    <p:set>
-                                      <p:cBhvr>
-                                        <p:cTn id="18" dur="1" fill="hold">
-                                          <p:stCondLst>
-                                            <p:cond delay="0"/>
-                                          </p:stCondLst>
-                                        </p:cTn>
-                                        <p:tgtEl>
-                                          <p:spTgt spid="22"/>
-                                        </p:tgtEl>
-                                        <p:attrNameLst>
-                                          <p:attrName>style.visibility</p:attrName>
-                                        </p:attrNameLst>
-                                      </p:cBhvr>
-                                      <p:to>
-                                        <p:strVal val="visible"/>
-                                      </p:to>
-                                    </p:set>
-                                  </p:childTnLst>
-                                </p:cTn>
-                              </p:par>
-                            </p:childTnLst>
-                          </p:cTn>
-                        </p:par>
-                      </p:childTnLst>
-                    </p:cTn>
-                  </p:par>
-                  <p:par>
-                    <p:cTn id="19" fill="hold">
-                      <p:stCondLst>
-                        <p:cond delay="indefinite"/>
-                      </p:stCondLst>
-                      <p:childTnLst>
-                        <p:par>
-                          <p:cTn id="20" fill="hold">
-                            <p:stCondLst>
-                              <p:cond delay="0"/>
-                            </p:stCondLst>
-                            <p:childTnLst>
-                              <p:par>
-                                <p:cTn id="21" presetID="1" presetClass="entr" presetSubtype="0" fill="hold" grpId="0" nodeType="clickEffect">
-                                  <p:stCondLst>
-                                    <p:cond delay="0"/>
-                                  </p:stCondLst>
-                                  <p:childTnLst>
-                                    <p:set>
-                                      <p:cBhvr>
-                                        <p:cTn id="22" dur="1" fill="hold">
-                                          <p:stCondLst>
-                                            <p:cond delay="0"/>
-                                          </p:stCondLst>
-                                        </p:cTn>
-                                        <p:tgtEl>
-                                          <p:spTgt spid="27"/>
-                                        </p:tgtEl>
-                                        <p:attrNameLst>
-                                          <p:attrName>style.visibility</p:attrName>
-                                        </p:attrNameLst>
-                                      </p:cBhvr>
-                                      <p:to>
-                                        <p:strVal val="visible"/>
-                                      </p:to>
-                                    </p:set>
-                                  </p:childTnLst>
-                                </p:cTn>
-                              </p:par>
-                              <p:par>
-                                <p:cTn id="23" presetID="1" presetClass="entr" presetSubtype="0" fill="hold" nodeType="withEffect">
-                                  <p:stCondLst>
-                                    <p:cond delay="0"/>
-                                  </p:stCondLst>
-                                  <p:childTnLst>
-                                    <p:set>
-                                      <p:cBhvr>
-                                        <p:cTn id="24" dur="1" fill="hold">
-                                          <p:stCondLst>
-                                            <p:cond delay="0"/>
-                                          </p:stCondLst>
-                                        </p:cTn>
-                                        <p:tgtEl>
-                                          <p:spTgt spid="23"/>
-                                        </p:tgtEl>
-                                        <p:attrNameLst>
-                                          <p:attrName>style.visibility</p:attrName>
-                                        </p:attrNameLst>
-                                      </p:cBhvr>
-                                      <p:to>
-                                        <p:strVal val="visible"/>
-                                      </p:to>
-                                    </p:set>
-                                  </p:childTnLst>
-                                </p:cTn>
-                              </p:par>
-                              <p:par>
-                                <p:cTn id="25" presetID="1" presetClass="entr" presetSubtype="0" fill="hold" grpId="0" nodeType="withEffect">
-                                  <p:stCondLst>
-                                    <p:cond delay="0"/>
-                                  </p:stCondLst>
-                                  <p:childTnLst>
-                                    <p:set>
-                                      <p:cBhvr>
-                                        <p:cTn id="26" dur="1" fill="hold">
-                                          <p:stCondLst>
-                                            <p:cond delay="0"/>
-                                          </p:stCondLst>
-                                        </p:cTn>
-                                        <p:tgtEl>
-                                          <p:spTgt spid="8"/>
-                                        </p:tgtEl>
-                                        <p:attrNameLst>
-                                          <p:attrName>style.visibility</p:attrName>
-                                        </p:attrNameLst>
-                                      </p:cBhvr>
-                                      <p:to>
-                                        <p:strVal val="visible"/>
-                                      </p:to>
-                                    </p:set>
-                                  </p:childTnLst>
-                                </p:cTn>
-                              </p:par>
-                            </p:childTnLst>
-                          </p:cTn>
-                        </p:par>
-                      </p:childTnLst>
-                    </p:cTn>
-                  </p:par>
-                </p:childTnLst>
-              </p:cTn>
-              <p:prevCondLst>
-                <p:cond evt="onPrev" delay="0">
-                  <p:tgtEl>
-                    <p:sldTgt/>
-                  </p:tgtEl>
-                </p:cond>
-              </p:prevCondLst>
-              <p:nextCondLst>
-                <p:cond evt="onNext" delay="0">
-                  <p:tgtEl>
-                    <p:sldTgt/>
-                  </p:tgtEl>
-                </p:cond>
-              </p:nextCondLst>
-            </p:seq>
-          </p:childTnLst>
-        </p:cTn>
-      </p:par>
-    </p:tnLst>
-    <p:bldLst>
-      <p:bldP spid="6" grpId="0" animBg="1"/>
-      <p:bldP spid="7" grpId="0" animBg="1"/>
-      <p:bldP spid="8" grpId="0" animBg="1"/>
-      <p:bldP spid="19" grpId="0"/>
-      <p:bldP spid="22" grpId="0"/>
-      <p:bldP spid="27" grpId="0"/>
-    </p:bldLst>
-  </p:timing>
-</p:sld>
-</file>
-
-<file path=ppt/slides/slide11.xml><?xml version="1.0" encoding="utf-8"?>
-<p:sld xmlns:a="http://schemas.openxmlformats.org/drawingml/2006/main" xmlns:r="http://schemas.openxmlformats.org/officeDocument/2006/relationships" xmlns:p="http://schemas.openxmlformats.org/presentationml/2006/main">
-  <p:cSld>
-    <p:spTree>
-      <p:nvGrpSpPr>
-        <p:cNvPr id="1" name=""/>
-        <p:cNvGrpSpPr/>
-        <p:nvPr/>
-      </p:nvGrpSpPr>
-      <p:grpSpPr>
-        <a:xfrm>
-          <a:off x="0" y="0"/>
-          <a:ext cx="0" cy="0"/>
-          <a:chOff x="0" y="0"/>
-          <a:chExt cx="0" cy="0"/>
-        </a:xfrm>
-      </p:grpSpPr>
-      <p:sp>
-        <p:nvSpPr>
-          <p:cNvPr id="2" name="TextBox 1">
-            <a:extLst>
-              <a:ext uri="{FF2B5EF4-FFF2-40B4-BE49-F238E27FC236}">
-                <a16:creationId xmlns:a16="http://schemas.microsoft.com/office/drawing/2014/main" id="{D1A61519-C832-457A-BD1B-0E208D4A50CD}"/>
-              </a:ext>
-            </a:extLst>
-          </p:cNvPr>
-          <p:cNvSpPr txBox="1"/>
-          <p:nvPr/>
-        </p:nvSpPr>
-        <p:spPr>
-          <a:xfrm>
             <a:off x="531842" y="304799"/>
             <a:ext cx="8655701" cy="584775"/>
           </a:xfrm>
@@ -4606,7 +3696,7 @@
 </p:sld>
 </file>
 
-<file path=ppt/slides/slide12.xml><?xml version="1.0" encoding="utf-8"?>
+<file path=ppt/slides/slide11.xml><?xml version="1.0" encoding="utf-8"?>
 <p:sld xmlns:a="http://schemas.openxmlformats.org/drawingml/2006/main" xmlns:r="http://schemas.openxmlformats.org/officeDocument/2006/relationships" xmlns:p="http://schemas.openxmlformats.org/presentationml/2006/main">
   <p:cSld>
     <p:spTree>
@@ -4910,7 +4000,7 @@
 </p:sld>
 </file>
 
-<file path=ppt/slides/slide13.xml><?xml version="1.0" encoding="utf-8"?>
+<file path=ppt/slides/slide12.xml><?xml version="1.0" encoding="utf-8"?>
 <p:sld xmlns:a="http://schemas.openxmlformats.org/drawingml/2006/main" xmlns:r="http://schemas.openxmlformats.org/officeDocument/2006/relationships" xmlns:p="http://schemas.openxmlformats.org/presentationml/2006/main">
   <p:cSld>
     <p:spTree>
@@ -5100,7 +4190,7 @@
 </p:sld>
 </file>
 
-<file path=ppt/slides/slide14.xml><?xml version="1.0" encoding="utf-8"?>
+<file path=ppt/slides/slide13.xml><?xml version="1.0" encoding="utf-8"?>
 <p:sld xmlns:a="http://schemas.openxmlformats.org/drawingml/2006/main" xmlns:r="http://schemas.openxmlformats.org/officeDocument/2006/relationships" xmlns:p="http://schemas.openxmlformats.org/presentationml/2006/main">
   <p:cSld>
     <p:spTree>
@@ -5221,7 +4311,7 @@
 </p:sld>
 </file>
 
-<file path=ppt/slides/slide15.xml><?xml version="1.0" encoding="utf-8"?>
+<file path=ppt/slides/slide14.xml><?xml version="1.0" encoding="utf-8"?>
 <p:sld xmlns:a="http://schemas.openxmlformats.org/drawingml/2006/main" xmlns:r="http://schemas.openxmlformats.org/officeDocument/2006/relationships" xmlns:p="http://schemas.openxmlformats.org/presentationml/2006/main">
   <p:cSld>
     <p:spTree>
@@ -6372,6 +5462,163 @@
 </p:sld>
 </file>
 
+<file path=ppt/slides/slide15.xml><?xml version="1.0" encoding="utf-8"?>
+<p:sld xmlns:a="http://schemas.openxmlformats.org/drawingml/2006/main" xmlns:r="http://schemas.openxmlformats.org/officeDocument/2006/relationships" xmlns:p="http://schemas.openxmlformats.org/presentationml/2006/main">
+  <p:cSld>
+    <p:spTree>
+      <p:nvGrpSpPr>
+        <p:cNvPr id="1" name=""/>
+        <p:cNvGrpSpPr/>
+        <p:nvPr/>
+      </p:nvGrpSpPr>
+      <p:grpSpPr>
+        <a:xfrm>
+          <a:off x="0" y="0"/>
+          <a:ext cx="0" cy="0"/>
+          <a:chOff x="0" y="0"/>
+          <a:chExt cx="0" cy="0"/>
+        </a:xfrm>
+      </p:grpSpPr>
+      <p:sp>
+        <p:nvSpPr>
+          <p:cNvPr id="2" name="TextBox 1">
+            <a:extLst>
+              <a:ext uri="{FF2B5EF4-FFF2-40B4-BE49-F238E27FC236}">
+                <a16:creationId xmlns:a16="http://schemas.microsoft.com/office/drawing/2014/main" id="{D1A61519-C832-457A-BD1B-0E208D4A50CD}"/>
+              </a:ext>
+            </a:extLst>
+          </p:cNvPr>
+          <p:cNvSpPr txBox="1"/>
+          <p:nvPr/>
+        </p:nvSpPr>
+        <p:spPr>
+          <a:xfrm>
+            <a:off x="531842" y="304799"/>
+            <a:ext cx="8655701" cy="584775"/>
+          </a:xfrm>
+          <a:prstGeom prst="rect">
+            <a:avLst/>
+          </a:prstGeom>
+          <a:noFill/>
+        </p:spPr>
+        <p:txBody>
+          <a:bodyPr wrap="square" rtlCol="0">
+            <a:spAutoFit/>
+          </a:bodyPr>
+          <a:lstStyle/>
+          <a:p>
+            <a:pPr lvl="0" hangingPunct="0">
+              <a:defRPr sz="3200">
+                <a:solidFill>
+                  <a:srgbClr val="DDDDDD"/>
+                </a:solidFill>
+              </a:defRPr>
+            </a:pPr>
+            <a:r>
+              <a:rPr lang="fr-FR" dirty="0">
+                <a:solidFill>
+                  <a:schemeClr val="tx1">
+                    <a:lumMod val="85000"/>
+                    <a:lumOff val="15000"/>
+                  </a:schemeClr>
+                </a:solidFill>
+                <a:latin typeface="Liberation Sans" pitchFamily="18"/>
+                <a:ea typeface="Droid Sans Fallback" pitchFamily="2"/>
+                <a:cs typeface="Droid Sans Devanagari" pitchFamily="2"/>
+              </a:rPr>
+              <a:t>Comment ça marche ? - fonctions</a:t>
+            </a:r>
+          </a:p>
+        </p:txBody>
+      </p:sp>
+      <p:pic>
+        <p:nvPicPr>
+          <p:cNvPr id="11" name="Graphic 10">
+            <a:extLst>
+              <a:ext uri="{FF2B5EF4-FFF2-40B4-BE49-F238E27FC236}">
+                <a16:creationId xmlns:a16="http://schemas.microsoft.com/office/drawing/2014/main" id="{48BCEFB8-E205-4279-A848-8204F2FF7652}"/>
+              </a:ext>
+            </a:extLst>
+          </p:cNvPr>
+          <p:cNvPicPr>
+            <a:picLocks noChangeAspect="1"/>
+          </p:cNvPicPr>
+          <p:nvPr/>
+        </p:nvPicPr>
+        <p:blipFill>
+          <a:blip r:embed="rId2">
+            <a:extLst>
+              <a:ext uri="{28A0092B-C50C-407E-A947-70E740481C1C}">
+                <a14:useLocalDpi xmlns:a14="http://schemas.microsoft.com/office/drawing/2010/main" val="0"/>
+              </a:ext>
+              <a:ext uri="{96DAC541-7B7A-43D3-8B79-37D633B846F1}">
+                <asvg:svgBlip xmlns:asvg="http://schemas.microsoft.com/office/drawing/2016/SVG/main" r:embed="rId3"/>
+              </a:ext>
+            </a:extLst>
+          </a:blip>
+          <a:stretch>
+            <a:fillRect/>
+          </a:stretch>
+        </p:blipFill>
+        <p:spPr>
+          <a:xfrm>
+            <a:off x="11242766" y="221192"/>
+            <a:ext cx="668382" cy="668382"/>
+          </a:xfrm>
+          <a:prstGeom prst="rect">
+            <a:avLst/>
+          </a:prstGeom>
+        </p:spPr>
+      </p:pic>
+      <p:pic>
+        <p:nvPicPr>
+          <p:cNvPr id="4" name="Picture 3">
+            <a:extLst>
+              <a:ext uri="{FF2B5EF4-FFF2-40B4-BE49-F238E27FC236}">
+                <a16:creationId xmlns:a16="http://schemas.microsoft.com/office/drawing/2014/main" id="{45B38E0A-34FC-4D81-BE97-41D700BA976E}"/>
+              </a:ext>
+            </a:extLst>
+          </p:cNvPr>
+          <p:cNvPicPr>
+            <a:picLocks noChangeAspect="1"/>
+          </p:cNvPicPr>
+          <p:nvPr/>
+        </p:nvPicPr>
+        <p:blipFill>
+          <a:blip r:embed="rId4">
+            <a:extLst>
+              <a:ext uri="{28A0092B-C50C-407E-A947-70E740481C1C}">
+                <a14:useLocalDpi xmlns:a14="http://schemas.microsoft.com/office/drawing/2010/main" val="0"/>
+              </a:ext>
+            </a:extLst>
+          </a:blip>
+          <a:stretch>
+            <a:fillRect/>
+          </a:stretch>
+        </p:blipFill>
+        <p:spPr>
+          <a:xfrm>
+            <a:off x="0" y="828977"/>
+            <a:ext cx="12192000" cy="5200046"/>
+          </a:xfrm>
+          <a:prstGeom prst="rect">
+            <a:avLst/>
+          </a:prstGeom>
+        </p:spPr>
+      </p:pic>
+    </p:spTree>
+    <p:extLst>
+      <p:ext uri="{BB962C8B-B14F-4D97-AF65-F5344CB8AC3E}">
+        <p14:creationId xmlns:p14="http://schemas.microsoft.com/office/powerpoint/2010/main" val="1485889426"/>
+      </p:ext>
+    </p:extLst>
+  </p:cSld>
+  <p:clrMapOvr>
+    <a:masterClrMapping/>
+  </p:clrMapOvr>
+</p:sld>
+</file>
+
 <file path=ppt/slides/slide16.xml><?xml version="1.0" encoding="utf-8"?>
 <p:sld xmlns:a="http://schemas.openxmlformats.org/drawingml/2006/main" xmlns:r="http://schemas.openxmlformats.org/officeDocument/2006/relationships" xmlns:p="http://schemas.openxmlformats.org/presentationml/2006/main">
   <p:cSld>
@@ -6394,163 +5641,6 @@
           <p:cNvPr id="2" name="TextBox 1">
             <a:extLst>
               <a:ext uri="{FF2B5EF4-FFF2-40B4-BE49-F238E27FC236}">
-                <a16:creationId xmlns:a16="http://schemas.microsoft.com/office/drawing/2014/main" id="{D1A61519-C832-457A-BD1B-0E208D4A50CD}"/>
-              </a:ext>
-            </a:extLst>
-          </p:cNvPr>
-          <p:cNvSpPr txBox="1"/>
-          <p:nvPr/>
-        </p:nvSpPr>
-        <p:spPr>
-          <a:xfrm>
-            <a:off x="531842" y="304799"/>
-            <a:ext cx="8655701" cy="584775"/>
-          </a:xfrm>
-          <a:prstGeom prst="rect">
-            <a:avLst/>
-          </a:prstGeom>
-          <a:noFill/>
-        </p:spPr>
-        <p:txBody>
-          <a:bodyPr wrap="square" rtlCol="0">
-            <a:spAutoFit/>
-          </a:bodyPr>
-          <a:lstStyle/>
-          <a:p>
-            <a:pPr lvl="0" hangingPunct="0">
-              <a:defRPr sz="3200">
-                <a:solidFill>
-                  <a:srgbClr val="DDDDDD"/>
-                </a:solidFill>
-              </a:defRPr>
-            </a:pPr>
-            <a:r>
-              <a:rPr lang="fr-FR" dirty="0">
-                <a:solidFill>
-                  <a:schemeClr val="tx1">
-                    <a:lumMod val="85000"/>
-                    <a:lumOff val="15000"/>
-                  </a:schemeClr>
-                </a:solidFill>
-                <a:latin typeface="Liberation Sans" pitchFamily="18"/>
-                <a:ea typeface="Droid Sans Fallback" pitchFamily="2"/>
-                <a:cs typeface="Droid Sans Devanagari" pitchFamily="2"/>
-              </a:rPr>
-              <a:t>Comment ça marche ? - fonctions</a:t>
-            </a:r>
-          </a:p>
-        </p:txBody>
-      </p:sp>
-      <p:pic>
-        <p:nvPicPr>
-          <p:cNvPr id="11" name="Graphic 10">
-            <a:extLst>
-              <a:ext uri="{FF2B5EF4-FFF2-40B4-BE49-F238E27FC236}">
-                <a16:creationId xmlns:a16="http://schemas.microsoft.com/office/drawing/2014/main" id="{48BCEFB8-E205-4279-A848-8204F2FF7652}"/>
-              </a:ext>
-            </a:extLst>
-          </p:cNvPr>
-          <p:cNvPicPr>
-            <a:picLocks noChangeAspect="1"/>
-          </p:cNvPicPr>
-          <p:nvPr/>
-        </p:nvPicPr>
-        <p:blipFill>
-          <a:blip r:embed="rId2">
-            <a:extLst>
-              <a:ext uri="{28A0092B-C50C-407E-A947-70E740481C1C}">
-                <a14:useLocalDpi xmlns:a14="http://schemas.microsoft.com/office/drawing/2010/main" val="0"/>
-              </a:ext>
-              <a:ext uri="{96DAC541-7B7A-43D3-8B79-37D633B846F1}">
-                <asvg:svgBlip xmlns:asvg="http://schemas.microsoft.com/office/drawing/2016/SVG/main" r:embed="rId3"/>
-              </a:ext>
-            </a:extLst>
-          </a:blip>
-          <a:stretch>
-            <a:fillRect/>
-          </a:stretch>
-        </p:blipFill>
-        <p:spPr>
-          <a:xfrm>
-            <a:off x="11242766" y="221192"/>
-            <a:ext cx="668382" cy="668382"/>
-          </a:xfrm>
-          <a:prstGeom prst="rect">
-            <a:avLst/>
-          </a:prstGeom>
-        </p:spPr>
-      </p:pic>
-      <p:pic>
-        <p:nvPicPr>
-          <p:cNvPr id="4" name="Picture 3">
-            <a:extLst>
-              <a:ext uri="{FF2B5EF4-FFF2-40B4-BE49-F238E27FC236}">
-                <a16:creationId xmlns:a16="http://schemas.microsoft.com/office/drawing/2014/main" id="{45B38E0A-34FC-4D81-BE97-41D700BA976E}"/>
-              </a:ext>
-            </a:extLst>
-          </p:cNvPr>
-          <p:cNvPicPr>
-            <a:picLocks noChangeAspect="1"/>
-          </p:cNvPicPr>
-          <p:nvPr/>
-        </p:nvPicPr>
-        <p:blipFill>
-          <a:blip r:embed="rId4">
-            <a:extLst>
-              <a:ext uri="{28A0092B-C50C-407E-A947-70E740481C1C}">
-                <a14:useLocalDpi xmlns:a14="http://schemas.microsoft.com/office/drawing/2010/main" val="0"/>
-              </a:ext>
-            </a:extLst>
-          </a:blip>
-          <a:stretch>
-            <a:fillRect/>
-          </a:stretch>
-        </p:blipFill>
-        <p:spPr>
-          <a:xfrm>
-            <a:off x="0" y="828977"/>
-            <a:ext cx="12192000" cy="5200046"/>
-          </a:xfrm>
-          <a:prstGeom prst="rect">
-            <a:avLst/>
-          </a:prstGeom>
-        </p:spPr>
-      </p:pic>
-    </p:spTree>
-    <p:extLst>
-      <p:ext uri="{BB962C8B-B14F-4D97-AF65-F5344CB8AC3E}">
-        <p14:creationId xmlns:p14="http://schemas.microsoft.com/office/powerpoint/2010/main" val="1485889426"/>
-      </p:ext>
-    </p:extLst>
-  </p:cSld>
-  <p:clrMapOvr>
-    <a:masterClrMapping/>
-  </p:clrMapOvr>
-</p:sld>
-</file>
-
-<file path=ppt/slides/slide17.xml><?xml version="1.0" encoding="utf-8"?>
-<p:sld xmlns:a="http://schemas.openxmlformats.org/drawingml/2006/main" xmlns:r="http://schemas.openxmlformats.org/officeDocument/2006/relationships" xmlns:p="http://schemas.openxmlformats.org/presentationml/2006/main">
-  <p:cSld>
-    <p:spTree>
-      <p:nvGrpSpPr>
-        <p:cNvPr id="1" name=""/>
-        <p:cNvGrpSpPr/>
-        <p:nvPr/>
-      </p:nvGrpSpPr>
-      <p:grpSpPr>
-        <a:xfrm>
-          <a:off x="0" y="0"/>
-          <a:ext cx="0" cy="0"/>
-          <a:chOff x="0" y="0"/>
-          <a:chExt cx="0" cy="0"/>
-        </a:xfrm>
-      </p:grpSpPr>
-      <p:sp>
-        <p:nvSpPr>
-          <p:cNvPr id="2" name="TextBox 1">
-            <a:extLst>
-              <a:ext uri="{FF2B5EF4-FFF2-40B4-BE49-F238E27FC236}">
                 <a16:creationId xmlns:a16="http://schemas.microsoft.com/office/drawing/2014/main" id="{E63DFEFB-F6EF-4586-BAF4-6EC3BF2B3876}"/>
               </a:ext>
             </a:extLst>
@@ -6650,7 +5740,7 @@
 </p:sld>
 </file>
 
-<file path=ppt/slides/slide18.xml><?xml version="1.0" encoding="utf-8"?>
+<file path=ppt/slides/slide17.xml><?xml version="1.0" encoding="utf-8"?>
 <p:sld xmlns:a="http://schemas.openxmlformats.org/drawingml/2006/main" xmlns:r="http://schemas.openxmlformats.org/officeDocument/2006/relationships" xmlns:p="http://schemas.openxmlformats.org/presentationml/2006/main">
   <p:cSld>
     <p:spTree>
@@ -6918,7 +6008,7 @@
 </p:sld>
 </file>
 
-<file path=ppt/slides/slide19.xml><?xml version="1.0" encoding="utf-8"?>
+<file path=ppt/slides/slide18.xml><?xml version="1.0" encoding="utf-8"?>
 <p:sld xmlns:a="http://schemas.openxmlformats.org/drawingml/2006/main" xmlns:r="http://schemas.openxmlformats.org/officeDocument/2006/relationships" xmlns:p="http://schemas.openxmlformats.org/presentationml/2006/main">
   <p:cSld>
     <p:spTree>
@@ -7222,6 +6312,199 @@
 </p:sld>
 </file>
 
+<file path=ppt/slides/slide19.xml><?xml version="1.0" encoding="utf-8"?>
+<p:sld xmlns:a="http://schemas.openxmlformats.org/drawingml/2006/main" xmlns:r="http://schemas.openxmlformats.org/officeDocument/2006/relationships" xmlns:p="http://schemas.openxmlformats.org/presentationml/2006/main">
+  <p:cSld>
+    <p:spTree>
+      <p:nvGrpSpPr>
+        <p:cNvPr id="1" name=""/>
+        <p:cNvGrpSpPr/>
+        <p:nvPr/>
+      </p:nvGrpSpPr>
+      <p:grpSpPr>
+        <a:xfrm>
+          <a:off x="0" y="0"/>
+          <a:ext cx="0" cy="0"/>
+          <a:chOff x="0" y="0"/>
+          <a:chExt cx="0" cy="0"/>
+        </a:xfrm>
+      </p:grpSpPr>
+      <p:sp>
+        <p:nvSpPr>
+          <p:cNvPr id="2" name="TextBox 1">
+            <a:extLst>
+              <a:ext uri="{FF2B5EF4-FFF2-40B4-BE49-F238E27FC236}">
+                <a16:creationId xmlns:a16="http://schemas.microsoft.com/office/drawing/2014/main" id="{D1A61519-C832-457A-BD1B-0E208D4A50CD}"/>
+              </a:ext>
+            </a:extLst>
+          </p:cNvPr>
+          <p:cNvSpPr txBox="1"/>
+          <p:nvPr/>
+        </p:nvSpPr>
+        <p:spPr>
+          <a:xfrm>
+            <a:off x="531842" y="304799"/>
+            <a:ext cx="8655701" cy="584775"/>
+          </a:xfrm>
+          <a:prstGeom prst="rect">
+            <a:avLst/>
+          </a:prstGeom>
+          <a:noFill/>
+        </p:spPr>
+        <p:txBody>
+          <a:bodyPr wrap="square" rtlCol="0">
+            <a:spAutoFit/>
+          </a:bodyPr>
+          <a:lstStyle/>
+          <a:p>
+            <a:pPr lvl="0" hangingPunct="0">
+              <a:defRPr sz="3200">
+                <a:solidFill>
+                  <a:srgbClr val="DDDDDD"/>
+                </a:solidFill>
+              </a:defRPr>
+            </a:pPr>
+            <a:r>
+              <a:rPr lang="fr-FR" dirty="0">
+                <a:solidFill>
+                  <a:schemeClr val="tx1">
+                    <a:lumMod val="85000"/>
+                    <a:lumOff val="15000"/>
+                  </a:schemeClr>
+                </a:solidFill>
+                <a:latin typeface="Liberation Sans" pitchFamily="18"/>
+                <a:ea typeface="Droid Sans Fallback" pitchFamily="2"/>
+                <a:cs typeface="Droid Sans Devanagari" pitchFamily="2"/>
+              </a:rPr>
+              <a:t>Comment ça marche ? - interfaces</a:t>
+            </a:r>
+          </a:p>
+        </p:txBody>
+      </p:sp>
+      <p:pic>
+        <p:nvPicPr>
+          <p:cNvPr id="11" name="Graphic 10">
+            <a:extLst>
+              <a:ext uri="{FF2B5EF4-FFF2-40B4-BE49-F238E27FC236}">
+                <a16:creationId xmlns:a16="http://schemas.microsoft.com/office/drawing/2014/main" id="{48BCEFB8-E205-4279-A848-8204F2FF7652}"/>
+              </a:ext>
+            </a:extLst>
+          </p:cNvPr>
+          <p:cNvPicPr>
+            <a:picLocks noChangeAspect="1"/>
+          </p:cNvPicPr>
+          <p:nvPr/>
+        </p:nvPicPr>
+        <p:blipFill>
+          <a:blip r:embed="rId2">
+            <a:extLst>
+              <a:ext uri="{28A0092B-C50C-407E-A947-70E740481C1C}">
+                <a14:useLocalDpi xmlns:a14="http://schemas.microsoft.com/office/drawing/2010/main" val="0"/>
+              </a:ext>
+              <a:ext uri="{96DAC541-7B7A-43D3-8B79-37D633B846F1}">
+                <asvg:svgBlip xmlns:asvg="http://schemas.microsoft.com/office/drawing/2016/SVG/main" r:embed="rId3"/>
+              </a:ext>
+            </a:extLst>
+          </a:blip>
+          <a:stretch>
+            <a:fillRect/>
+          </a:stretch>
+        </p:blipFill>
+        <p:spPr>
+          <a:xfrm>
+            <a:off x="11242766" y="221192"/>
+            <a:ext cx="668382" cy="668382"/>
+          </a:xfrm>
+          <a:prstGeom prst="rect">
+            <a:avLst/>
+          </a:prstGeom>
+        </p:spPr>
+      </p:pic>
+      <p:pic>
+        <p:nvPicPr>
+          <p:cNvPr id="4" name="Picture 3">
+            <a:extLst>
+              <a:ext uri="{FF2B5EF4-FFF2-40B4-BE49-F238E27FC236}">
+                <a16:creationId xmlns:a16="http://schemas.microsoft.com/office/drawing/2014/main" id="{70B77106-302F-4588-9765-4C0FD6015618}"/>
+              </a:ext>
+            </a:extLst>
+          </p:cNvPr>
+          <p:cNvPicPr>
+            <a:picLocks noChangeAspect="1"/>
+          </p:cNvPicPr>
+          <p:nvPr/>
+        </p:nvPicPr>
+        <p:blipFill>
+          <a:blip r:embed="rId4">
+            <a:extLst>
+              <a:ext uri="{28A0092B-C50C-407E-A947-70E740481C1C}">
+                <a14:useLocalDpi xmlns:a14="http://schemas.microsoft.com/office/drawing/2010/main" val="0"/>
+              </a:ext>
+            </a:extLst>
+          </a:blip>
+          <a:stretch>
+            <a:fillRect/>
+          </a:stretch>
+        </p:blipFill>
+        <p:spPr>
+          <a:xfrm>
+            <a:off x="-2664823" y="977248"/>
+            <a:ext cx="12192000" cy="5147343"/>
+          </a:xfrm>
+          <a:prstGeom prst="rect">
+            <a:avLst/>
+          </a:prstGeom>
+        </p:spPr>
+      </p:pic>
+      <p:pic>
+        <p:nvPicPr>
+          <p:cNvPr id="8" name="Picture 7">
+            <a:extLst>
+              <a:ext uri="{FF2B5EF4-FFF2-40B4-BE49-F238E27FC236}">
+                <a16:creationId xmlns:a16="http://schemas.microsoft.com/office/drawing/2014/main" id="{172E6C15-736B-43CD-AF48-D9B8E860005C}"/>
+              </a:ext>
+            </a:extLst>
+          </p:cNvPr>
+          <p:cNvPicPr>
+            <a:picLocks noChangeAspect="1"/>
+          </p:cNvPicPr>
+          <p:nvPr/>
+        </p:nvPicPr>
+        <p:blipFill>
+          <a:blip r:embed="rId5">
+            <a:extLst>
+              <a:ext uri="{28A0092B-C50C-407E-A947-70E740481C1C}">
+                <a14:useLocalDpi xmlns:a14="http://schemas.microsoft.com/office/drawing/2010/main" val="0"/>
+              </a:ext>
+            </a:extLst>
+          </a:blip>
+          <a:stretch>
+            <a:fillRect/>
+          </a:stretch>
+        </p:blipFill>
+        <p:spPr>
+          <a:xfrm>
+            <a:off x="3091543" y="977247"/>
+            <a:ext cx="12192000" cy="5147343"/>
+          </a:xfrm>
+          <a:prstGeom prst="rect">
+            <a:avLst/>
+          </a:prstGeom>
+        </p:spPr>
+      </p:pic>
+    </p:spTree>
+    <p:extLst>
+      <p:ext uri="{BB962C8B-B14F-4D97-AF65-F5344CB8AC3E}">
+        <p14:creationId xmlns:p14="http://schemas.microsoft.com/office/powerpoint/2010/main" val="2707240199"/>
+      </p:ext>
+    </p:extLst>
+  </p:cSld>
+  <p:clrMapOvr>
+    <a:masterClrMapping/>
+  </p:clrMapOvr>
+</p:sld>
+</file>
+
 <file path=ppt/slides/slide2.xml><?xml version="1.0" encoding="utf-8"?>
 <p:sld xmlns:a="http://schemas.openxmlformats.org/drawingml/2006/main" xmlns:r="http://schemas.openxmlformats.org/officeDocument/2006/relationships" xmlns:p="http://schemas.openxmlformats.org/presentationml/2006/main">
   <p:cSld>
@@ -7253,7 +6536,7 @@
         </p:nvSpPr>
         <p:spPr>
           <a:xfrm>
-            <a:off x="531843" y="2010437"/>
+            <a:off x="5395606" y="2092267"/>
             <a:ext cx="7025951" cy="461665"/>
           </a:xfrm>
           <a:prstGeom prst="rect">
@@ -7295,7 +6578,7 @@
         </p:nvSpPr>
         <p:spPr>
           <a:xfrm>
-            <a:off x="531844" y="2702935"/>
+            <a:off x="5395606" y="4862661"/>
             <a:ext cx="6609186" cy="461665"/>
           </a:xfrm>
           <a:prstGeom prst="rect">
@@ -7319,48 +6602,6 @@
                 </a:solidFill>
               </a:rPr>
               <a:t>- Développé par Microsoft en 2012</a:t>
-            </a:r>
-          </a:p>
-        </p:txBody>
-      </p:sp>
-      <p:sp>
-        <p:nvSpPr>
-          <p:cNvPr id="6" name="TextBox 5">
-            <a:extLst>
-              <a:ext uri="{FF2B5EF4-FFF2-40B4-BE49-F238E27FC236}">
-                <a16:creationId xmlns:a16="http://schemas.microsoft.com/office/drawing/2014/main" id="{534994FA-CF50-4016-8022-68EB60A4D7EE}"/>
-              </a:ext>
-            </a:extLst>
-          </p:cNvPr>
-          <p:cNvSpPr txBox="1"/>
-          <p:nvPr/>
-        </p:nvSpPr>
-        <p:spPr>
-          <a:xfrm>
-            <a:off x="531843" y="3395433"/>
-            <a:ext cx="8307357" cy="461665"/>
-          </a:xfrm>
-          <a:prstGeom prst="rect">
-            <a:avLst/>
-          </a:prstGeom>
-          <a:noFill/>
-        </p:spPr>
-        <p:txBody>
-          <a:bodyPr wrap="square" rtlCol="0">
-            <a:spAutoFit/>
-          </a:bodyPr>
-          <a:lstStyle/>
-          <a:p>
-            <a:r>
-              <a:rPr lang="fr-FR" sz="2400" dirty="0">
-                <a:solidFill>
-                  <a:schemeClr val="tx1">
-                    <a:lumMod val="85000"/>
-                    <a:lumOff val="15000"/>
-                  </a:schemeClr>
-                </a:solidFill>
-              </a:rPr>
-              <a:t>- Sur-ensemble de JavaScript compilé en JavaScript</a:t>
             </a:r>
           </a:p>
         </p:txBody>
@@ -7417,48 +6658,6 @@
           </a:p>
         </p:txBody>
       </p:sp>
-      <p:sp>
-        <p:nvSpPr>
-          <p:cNvPr id="9" name="TextBox 8">
-            <a:extLst>
-              <a:ext uri="{FF2B5EF4-FFF2-40B4-BE49-F238E27FC236}">
-                <a16:creationId xmlns:a16="http://schemas.microsoft.com/office/drawing/2014/main" id="{2BCE4779-F23D-4F79-B6F8-717B0C4A9429}"/>
-              </a:ext>
-            </a:extLst>
-          </p:cNvPr>
-          <p:cNvSpPr txBox="1"/>
-          <p:nvPr/>
-        </p:nvSpPr>
-        <p:spPr>
-          <a:xfrm>
-            <a:off x="531842" y="4087931"/>
-            <a:ext cx="8307357" cy="461665"/>
-          </a:xfrm>
-          <a:prstGeom prst="rect">
-            <a:avLst/>
-          </a:prstGeom>
-          <a:noFill/>
-        </p:spPr>
-        <p:txBody>
-          <a:bodyPr wrap="square" rtlCol="0">
-            <a:spAutoFit/>
-          </a:bodyPr>
-          <a:lstStyle/>
-          <a:p>
-            <a:r>
-              <a:rPr lang="fr-FR" sz="2400" dirty="0">
-                <a:solidFill>
-                  <a:schemeClr val="tx1">
-                    <a:lumMod val="85000"/>
-                    <a:lumOff val="15000"/>
-                  </a:schemeClr>
-                </a:solidFill>
-              </a:rPr>
-              <a:t>- Utilisé pour développer Visual studio code</a:t>
-            </a:r>
-          </a:p>
-        </p:txBody>
-      </p:sp>
       <p:pic>
         <p:nvPicPr>
           <p:cNvPr id="7" name="Graphic 6">
@@ -7498,133 +6697,12 @@
           </a:prstGeom>
         </p:spPr>
       </p:pic>
-    </p:spTree>
-    <p:extLst>
-      <p:ext uri="{BB962C8B-B14F-4D97-AF65-F5344CB8AC3E}">
-        <p14:creationId xmlns:p14="http://schemas.microsoft.com/office/powerpoint/2010/main" val="160615745"/>
-      </p:ext>
-    </p:extLst>
-  </p:cSld>
-  <p:clrMapOvr>
-    <a:masterClrMapping/>
-  </p:clrMapOvr>
-</p:sld>
-</file>
-
-<file path=ppt/slides/slide20.xml><?xml version="1.0" encoding="utf-8"?>
-<p:sld xmlns:a="http://schemas.openxmlformats.org/drawingml/2006/main" xmlns:r="http://schemas.openxmlformats.org/officeDocument/2006/relationships" xmlns:p="http://schemas.openxmlformats.org/presentationml/2006/main">
-  <p:cSld>
-    <p:spTree>
-      <p:nvGrpSpPr>
-        <p:cNvPr id="1" name=""/>
-        <p:cNvGrpSpPr/>
-        <p:nvPr/>
-      </p:nvGrpSpPr>
-      <p:grpSpPr>
-        <a:xfrm>
-          <a:off x="0" y="0"/>
-          <a:ext cx="0" cy="0"/>
-          <a:chOff x="0" y="0"/>
-          <a:chExt cx="0" cy="0"/>
-        </a:xfrm>
-      </p:grpSpPr>
-      <p:sp>
-        <p:nvSpPr>
-          <p:cNvPr id="2" name="TextBox 1">
-            <a:extLst>
-              <a:ext uri="{FF2B5EF4-FFF2-40B4-BE49-F238E27FC236}">
-                <a16:creationId xmlns:a16="http://schemas.microsoft.com/office/drawing/2014/main" id="{D1A61519-C832-457A-BD1B-0E208D4A50CD}"/>
-              </a:ext>
-            </a:extLst>
-          </p:cNvPr>
-          <p:cNvSpPr txBox="1"/>
-          <p:nvPr/>
-        </p:nvSpPr>
-        <p:spPr>
-          <a:xfrm>
-            <a:off x="531842" y="304799"/>
-            <a:ext cx="8655701" cy="584775"/>
-          </a:xfrm>
-          <a:prstGeom prst="rect">
-            <a:avLst/>
-          </a:prstGeom>
-          <a:noFill/>
-        </p:spPr>
-        <p:txBody>
-          <a:bodyPr wrap="square" rtlCol="0">
-            <a:spAutoFit/>
-          </a:bodyPr>
-          <a:lstStyle/>
-          <a:p>
-            <a:pPr lvl="0" hangingPunct="0">
-              <a:defRPr sz="3200">
-                <a:solidFill>
-                  <a:srgbClr val="DDDDDD"/>
-                </a:solidFill>
-              </a:defRPr>
-            </a:pPr>
-            <a:r>
-              <a:rPr lang="fr-FR" dirty="0">
-                <a:solidFill>
-                  <a:schemeClr val="tx1">
-                    <a:lumMod val="85000"/>
-                    <a:lumOff val="15000"/>
-                  </a:schemeClr>
-                </a:solidFill>
-                <a:latin typeface="Liberation Sans" pitchFamily="18"/>
-                <a:ea typeface="Droid Sans Fallback" pitchFamily="2"/>
-                <a:cs typeface="Droid Sans Devanagari" pitchFamily="2"/>
-              </a:rPr>
-              <a:t>Comment ça marche ? - interfaces</a:t>
-            </a:r>
-          </a:p>
-        </p:txBody>
-      </p:sp>
       <p:pic>
         <p:nvPicPr>
-          <p:cNvPr id="11" name="Graphic 10">
-            <a:extLst>
-              <a:ext uri="{FF2B5EF4-FFF2-40B4-BE49-F238E27FC236}">
-                <a16:creationId xmlns:a16="http://schemas.microsoft.com/office/drawing/2014/main" id="{48BCEFB8-E205-4279-A848-8204F2FF7652}"/>
-              </a:ext>
-            </a:extLst>
-          </p:cNvPr>
-          <p:cNvPicPr>
-            <a:picLocks noChangeAspect="1"/>
-          </p:cNvPicPr>
-          <p:nvPr/>
-        </p:nvPicPr>
-        <p:blipFill>
-          <a:blip r:embed="rId2">
-            <a:extLst>
-              <a:ext uri="{28A0092B-C50C-407E-A947-70E740481C1C}">
-                <a14:useLocalDpi xmlns:a14="http://schemas.microsoft.com/office/drawing/2010/main" val="0"/>
-              </a:ext>
-              <a:ext uri="{96DAC541-7B7A-43D3-8B79-37D633B846F1}">
-                <asvg:svgBlip xmlns:asvg="http://schemas.microsoft.com/office/drawing/2016/SVG/main" r:embed="rId3"/>
-              </a:ext>
-            </a:extLst>
-          </a:blip>
-          <a:stretch>
-            <a:fillRect/>
-          </a:stretch>
-        </p:blipFill>
-        <p:spPr>
-          <a:xfrm>
-            <a:off x="11242766" y="221192"/>
-            <a:ext cx="668382" cy="668382"/>
-          </a:xfrm>
-          <a:prstGeom prst="rect">
-            <a:avLst/>
-          </a:prstGeom>
-        </p:spPr>
-      </p:pic>
-      <p:pic>
-        <p:nvPicPr>
-          <p:cNvPr id="4" name="Picture 3">
-            <a:extLst>
-              <a:ext uri="{FF2B5EF4-FFF2-40B4-BE49-F238E27FC236}">
-                <a16:creationId xmlns:a16="http://schemas.microsoft.com/office/drawing/2014/main" id="{70B77106-302F-4588-9765-4C0FD6015618}"/>
+          <p:cNvPr id="3" name="Picture 2">
+            <a:extLst>
+              <a:ext uri="{FF2B5EF4-FFF2-40B4-BE49-F238E27FC236}">
+                <a16:creationId xmlns:a16="http://schemas.microsoft.com/office/drawing/2014/main" id="{6FB3126F-7425-4B43-8B90-5D67430A7E93}"/>
               </a:ext>
             </a:extLst>
           </p:cNvPr>
@@ -7647,8 +6725,8 @@
         </p:blipFill>
         <p:spPr>
           <a:xfrm>
-            <a:off x="-2664823" y="977248"/>
-            <a:ext cx="12192000" cy="5147343"/>
+            <a:off x="1263193" y="3756626"/>
+            <a:ext cx="2088585" cy="2088585"/>
           </a:xfrm>
           <a:prstGeom prst="rect">
             <a:avLst/>
@@ -7657,10 +6735,10 @@
       </p:pic>
       <p:pic>
         <p:nvPicPr>
-          <p:cNvPr id="8" name="Picture 7">
-            <a:extLst>
-              <a:ext uri="{FF2B5EF4-FFF2-40B4-BE49-F238E27FC236}">
-                <a16:creationId xmlns:a16="http://schemas.microsoft.com/office/drawing/2014/main" id="{172E6C15-736B-43CD-AF48-D9B8E860005C}"/>
+          <p:cNvPr id="11" name="Picture 10">
+            <a:extLst>
+              <a:ext uri="{FF2B5EF4-FFF2-40B4-BE49-F238E27FC236}">
+                <a16:creationId xmlns:a16="http://schemas.microsoft.com/office/drawing/2014/main" id="{148ED528-9F66-43F7-AA0A-C8427F42AFAD}"/>
               </a:ext>
             </a:extLst>
           </p:cNvPr>
@@ -7683,8 +6761,44 @@
         </p:blipFill>
         <p:spPr>
           <a:xfrm>
-            <a:off x="3091543" y="977247"/>
-            <a:ext cx="12192000" cy="5147343"/>
+            <a:off x="-60330" y="1188841"/>
+            <a:ext cx="4858763" cy="1806852"/>
+          </a:xfrm>
+          <a:prstGeom prst="rect">
+            <a:avLst/>
+          </a:prstGeom>
+        </p:spPr>
+      </p:pic>
+      <p:pic>
+        <p:nvPicPr>
+          <p:cNvPr id="13" name="Picture 12">
+            <a:extLst>
+              <a:ext uri="{FF2B5EF4-FFF2-40B4-BE49-F238E27FC236}">
+                <a16:creationId xmlns:a16="http://schemas.microsoft.com/office/drawing/2014/main" id="{64919050-7696-4AFA-A862-A30C96FA8C40}"/>
+              </a:ext>
+            </a:extLst>
+          </p:cNvPr>
+          <p:cNvPicPr>
+            <a:picLocks noChangeAspect="1"/>
+          </p:cNvPicPr>
+          <p:nvPr/>
+        </p:nvPicPr>
+        <p:blipFill>
+          <a:blip r:embed="rId6">
+            <a:extLst>
+              <a:ext uri="{28A0092B-C50C-407E-A947-70E740481C1C}">
+                <a14:useLocalDpi xmlns:a14="http://schemas.microsoft.com/office/drawing/2010/main" val="0"/>
+              </a:ext>
+            </a:extLst>
+          </a:blip>
+          <a:stretch>
+            <a:fillRect/>
+          </a:stretch>
+        </p:blipFill>
+        <p:spPr>
+          <a:xfrm>
+            <a:off x="1754958" y="2874561"/>
+            <a:ext cx="1105054" cy="295316"/>
           </a:xfrm>
           <a:prstGeom prst="rect">
             <a:avLst/>
@@ -7694,7 +6808,7 @@
     </p:spTree>
     <p:extLst>
       <p:ext uri="{BB962C8B-B14F-4D97-AF65-F5344CB8AC3E}">
-        <p14:creationId xmlns:p14="http://schemas.microsoft.com/office/powerpoint/2010/main" val="2707240199"/>
+        <p14:creationId xmlns:p14="http://schemas.microsoft.com/office/powerpoint/2010/main" val="2438696619"/>
       </p:ext>
     </p:extLst>
   </p:cSld>
@@ -7723,90 +6837,6 @@
       </p:grpSpPr>
       <p:sp>
         <p:nvSpPr>
-          <p:cNvPr id="4" name="TextBox 3">
-            <a:extLst>
-              <a:ext uri="{FF2B5EF4-FFF2-40B4-BE49-F238E27FC236}">
-                <a16:creationId xmlns:a16="http://schemas.microsoft.com/office/drawing/2014/main" id="{FC4A0BF7-E169-438A-BE66-223E4CF55A01}"/>
-              </a:ext>
-            </a:extLst>
-          </p:cNvPr>
-          <p:cNvSpPr txBox="1"/>
-          <p:nvPr/>
-        </p:nvSpPr>
-        <p:spPr>
-          <a:xfrm>
-            <a:off x="5395606" y="2092267"/>
-            <a:ext cx="7025951" cy="461665"/>
-          </a:xfrm>
-          <a:prstGeom prst="rect">
-            <a:avLst/>
-          </a:prstGeom>
-          <a:noFill/>
-        </p:spPr>
-        <p:txBody>
-          <a:bodyPr wrap="square" rtlCol="0">
-            <a:spAutoFit/>
-          </a:bodyPr>
-          <a:lstStyle/>
-          <a:p>
-            <a:r>
-              <a:rPr lang="fr-FR" sz="2400" dirty="0">
-                <a:solidFill>
-                  <a:schemeClr val="tx1">
-                    <a:lumMod val="85000"/>
-                    <a:lumOff val="15000"/>
-                  </a:schemeClr>
-                </a:solidFill>
-              </a:rPr>
-              <a:t>- Langage de programmation open source</a:t>
-            </a:r>
-          </a:p>
-        </p:txBody>
-      </p:sp>
-      <p:sp>
-        <p:nvSpPr>
-          <p:cNvPr id="5" name="TextBox 4">
-            <a:extLst>
-              <a:ext uri="{FF2B5EF4-FFF2-40B4-BE49-F238E27FC236}">
-                <a16:creationId xmlns:a16="http://schemas.microsoft.com/office/drawing/2014/main" id="{277F7A27-864F-4A1B-853A-FD6E91438544}"/>
-              </a:ext>
-            </a:extLst>
-          </p:cNvPr>
-          <p:cNvSpPr txBox="1"/>
-          <p:nvPr/>
-        </p:nvSpPr>
-        <p:spPr>
-          <a:xfrm>
-            <a:off x="5395606" y="4862661"/>
-            <a:ext cx="6609186" cy="461665"/>
-          </a:xfrm>
-          <a:prstGeom prst="rect">
-            <a:avLst/>
-          </a:prstGeom>
-          <a:noFill/>
-        </p:spPr>
-        <p:txBody>
-          <a:bodyPr wrap="square" rtlCol="0">
-            <a:spAutoFit/>
-          </a:bodyPr>
-          <a:lstStyle/>
-          <a:p>
-            <a:r>
-              <a:rPr lang="fr-FR" sz="2400" dirty="0">
-                <a:solidFill>
-                  <a:schemeClr val="tx1">
-                    <a:lumMod val="85000"/>
-                    <a:lumOff val="15000"/>
-                  </a:schemeClr>
-                </a:solidFill>
-              </a:rPr>
-              <a:t>- Développé par Microsoft en 2012</a:t>
-            </a:r>
-          </a:p>
-        </p:txBody>
-      </p:sp>
-      <p:sp>
-        <p:nvSpPr>
           <p:cNvPr id="8" name="TextBox 7">
             <a:extLst>
               <a:ext uri="{FF2B5EF4-FFF2-40B4-BE49-F238E27FC236}">
@@ -7896,12 +6926,96 @@
           </a:prstGeom>
         </p:spPr>
       </p:pic>
+      <p:sp>
+        <p:nvSpPr>
+          <p:cNvPr id="9" name="TextBox 8">
+            <a:extLst>
+              <a:ext uri="{FF2B5EF4-FFF2-40B4-BE49-F238E27FC236}">
+                <a16:creationId xmlns:a16="http://schemas.microsoft.com/office/drawing/2014/main" id="{EAA9AA8E-3B57-4F69-B541-FF42D3DDD197}"/>
+              </a:ext>
+            </a:extLst>
+          </p:cNvPr>
+          <p:cNvSpPr txBox="1"/>
+          <p:nvPr/>
+        </p:nvSpPr>
+        <p:spPr>
+          <a:xfrm>
+            <a:off x="5300927" y="2092267"/>
+            <a:ext cx="8307357" cy="461665"/>
+          </a:xfrm>
+          <a:prstGeom prst="rect">
+            <a:avLst/>
+          </a:prstGeom>
+          <a:noFill/>
+        </p:spPr>
+        <p:txBody>
+          <a:bodyPr wrap="square" rtlCol="0">
+            <a:spAutoFit/>
+          </a:bodyPr>
+          <a:lstStyle/>
+          <a:p>
+            <a:r>
+              <a:rPr lang="fr-FR" sz="2400" dirty="0">
+                <a:solidFill>
+                  <a:schemeClr val="tx1">
+                    <a:lumMod val="85000"/>
+                    <a:lumOff val="15000"/>
+                  </a:schemeClr>
+                </a:solidFill>
+              </a:rPr>
+              <a:t>- Sur-ensemble de JavaScript compilé en JavaScript</a:t>
+            </a:r>
+          </a:p>
+        </p:txBody>
+      </p:sp>
+      <p:sp>
+        <p:nvSpPr>
+          <p:cNvPr id="10" name="TextBox 9">
+            <a:extLst>
+              <a:ext uri="{FF2B5EF4-FFF2-40B4-BE49-F238E27FC236}">
+                <a16:creationId xmlns:a16="http://schemas.microsoft.com/office/drawing/2014/main" id="{72EE592C-E397-4102-B712-F4DEBD83ECE2}"/>
+              </a:ext>
+            </a:extLst>
+          </p:cNvPr>
+          <p:cNvSpPr txBox="1"/>
+          <p:nvPr/>
+        </p:nvSpPr>
+        <p:spPr>
+          <a:xfrm>
+            <a:off x="5300927" y="4570085"/>
+            <a:ext cx="8307357" cy="461665"/>
+          </a:xfrm>
+          <a:prstGeom prst="rect">
+            <a:avLst/>
+          </a:prstGeom>
+          <a:noFill/>
+        </p:spPr>
+        <p:txBody>
+          <a:bodyPr wrap="square" rtlCol="0">
+            <a:spAutoFit/>
+          </a:bodyPr>
+          <a:lstStyle/>
+          <a:p>
+            <a:r>
+              <a:rPr lang="fr-FR" sz="2400" dirty="0">
+                <a:solidFill>
+                  <a:schemeClr val="tx1">
+                    <a:lumMod val="85000"/>
+                    <a:lumOff val="15000"/>
+                  </a:schemeClr>
+                </a:solidFill>
+              </a:rPr>
+              <a:t>- Utilisé pour développer Visual studio code</a:t>
+            </a:r>
+          </a:p>
+        </p:txBody>
+      </p:sp>
       <p:pic>
         <p:nvPicPr>
-          <p:cNvPr id="3" name="Picture 2">
-            <a:extLst>
-              <a:ext uri="{FF2B5EF4-FFF2-40B4-BE49-F238E27FC236}">
-                <a16:creationId xmlns:a16="http://schemas.microsoft.com/office/drawing/2014/main" id="{6FB3126F-7425-4B43-8B90-5D67430A7E93}"/>
+          <p:cNvPr id="6" name="Picture 5">
+            <a:extLst>
+              <a:ext uri="{FF2B5EF4-FFF2-40B4-BE49-F238E27FC236}">
+                <a16:creationId xmlns:a16="http://schemas.microsoft.com/office/drawing/2014/main" id="{552B5C09-2A99-41B4-9DB6-7BD3716CC96F}"/>
               </a:ext>
             </a:extLst>
           </p:cNvPr>
@@ -7924,8 +7038,8 @@
         </p:blipFill>
         <p:spPr>
           <a:xfrm>
-            <a:off x="1263193" y="3756626"/>
-            <a:ext cx="2088585" cy="2088585"/>
+            <a:off x="2856125" y="1885550"/>
+            <a:ext cx="668382" cy="668382"/>
           </a:xfrm>
           <a:prstGeom prst="rect">
             <a:avLst/>
@@ -7934,10 +7048,88 @@
       </p:pic>
       <p:pic>
         <p:nvPicPr>
-          <p:cNvPr id="11" name="Picture 10">
-            <a:extLst>
-              <a:ext uri="{FF2B5EF4-FFF2-40B4-BE49-F238E27FC236}">
-                <a16:creationId xmlns:a16="http://schemas.microsoft.com/office/drawing/2014/main" id="{148ED528-9F66-43F7-AA0A-C8427F42AFAD}"/>
+          <p:cNvPr id="12" name="Graphic 11">
+            <a:extLst>
+              <a:ext uri="{FF2B5EF4-FFF2-40B4-BE49-F238E27FC236}">
+                <a16:creationId xmlns:a16="http://schemas.microsoft.com/office/drawing/2014/main" id="{2A34EB1A-9C1C-4FC4-8126-6DCA17FF0F97}"/>
+              </a:ext>
+            </a:extLst>
+          </p:cNvPr>
+          <p:cNvPicPr>
+            <a:picLocks noChangeAspect="1"/>
+          </p:cNvPicPr>
+          <p:nvPr/>
+        </p:nvPicPr>
+        <p:blipFill>
+          <a:blip r:embed="rId2">
+            <a:extLst>
+              <a:ext uri="{28A0092B-C50C-407E-A947-70E740481C1C}">
+                <a14:useLocalDpi xmlns:a14="http://schemas.microsoft.com/office/drawing/2010/main" val="0"/>
+              </a:ext>
+              <a:ext uri="{96DAC541-7B7A-43D3-8B79-37D633B846F1}">
+                <asvg:svgBlip xmlns:asvg="http://schemas.microsoft.com/office/drawing/2016/SVG/main" r:embed="rId3"/>
+              </a:ext>
+            </a:extLst>
+          </a:blip>
+          <a:stretch>
+            <a:fillRect/>
+          </a:stretch>
+        </p:blipFill>
+        <p:spPr>
+          <a:xfrm>
+            <a:off x="810764" y="1885550"/>
+            <a:ext cx="668382" cy="668382"/>
+          </a:xfrm>
+          <a:prstGeom prst="rect">
+            <a:avLst/>
+          </a:prstGeom>
+        </p:spPr>
+      </p:pic>
+      <p:cxnSp>
+        <p:nvCxnSpPr>
+          <p:cNvPr id="14" name="Straight Arrow Connector 13">
+            <a:extLst>
+              <a:ext uri="{FF2B5EF4-FFF2-40B4-BE49-F238E27FC236}">
+                <a16:creationId xmlns:a16="http://schemas.microsoft.com/office/drawing/2014/main" id="{3991749E-267A-4813-A19E-59EE51BD8A26}"/>
+              </a:ext>
+            </a:extLst>
+          </p:cNvPr>
+          <p:cNvCxnSpPr/>
+          <p:nvPr/>
+        </p:nvCxnSpPr>
+        <p:spPr>
+          <a:xfrm>
+            <a:off x="1588168" y="2219741"/>
+            <a:ext cx="1135781" cy="0"/>
+          </a:xfrm>
+          <a:prstGeom prst="straightConnector1">
+            <a:avLst/>
+          </a:prstGeom>
+          <a:ln>
+            <a:tailEnd type="triangle"/>
+          </a:ln>
+        </p:spPr>
+        <p:style>
+          <a:lnRef idx="3">
+            <a:schemeClr val="dk1"/>
+          </a:lnRef>
+          <a:fillRef idx="0">
+            <a:schemeClr val="dk1"/>
+          </a:fillRef>
+          <a:effectRef idx="2">
+            <a:schemeClr val="dk1"/>
+          </a:effectRef>
+          <a:fontRef idx="minor">
+            <a:schemeClr val="tx1"/>
+          </a:fontRef>
+        </p:style>
+      </p:cxnSp>
+      <p:pic>
+        <p:nvPicPr>
+          <p:cNvPr id="16" name="Picture 15">
+            <a:extLst>
+              <a:ext uri="{FF2B5EF4-FFF2-40B4-BE49-F238E27FC236}">
+                <a16:creationId xmlns:a16="http://schemas.microsoft.com/office/drawing/2014/main" id="{71311836-A0D2-42DF-AE3E-1FC909C2B3AF}"/>
               </a:ext>
             </a:extLst>
           </p:cNvPr>
@@ -7960,44 +7152,8 @@
         </p:blipFill>
         <p:spPr>
           <a:xfrm>
-            <a:off x="-60330" y="1188841"/>
-            <a:ext cx="4858763" cy="1806852"/>
-          </a:xfrm>
-          <a:prstGeom prst="rect">
-            <a:avLst/>
-          </a:prstGeom>
-        </p:spPr>
-      </p:pic>
-      <p:pic>
-        <p:nvPicPr>
-          <p:cNvPr id="13" name="Picture 12">
-            <a:extLst>
-              <a:ext uri="{FF2B5EF4-FFF2-40B4-BE49-F238E27FC236}">
-                <a16:creationId xmlns:a16="http://schemas.microsoft.com/office/drawing/2014/main" id="{64919050-7696-4AFA-A862-A30C96FA8C40}"/>
-              </a:ext>
-            </a:extLst>
-          </p:cNvPr>
-          <p:cNvPicPr>
-            <a:picLocks noChangeAspect="1"/>
-          </p:cNvPicPr>
-          <p:nvPr/>
-        </p:nvPicPr>
-        <p:blipFill>
-          <a:blip r:embed="rId6">
-            <a:extLst>
-              <a:ext uri="{28A0092B-C50C-407E-A947-70E740481C1C}">
-                <a14:useLocalDpi xmlns:a14="http://schemas.microsoft.com/office/drawing/2010/main" val="0"/>
-              </a:ext>
-            </a:extLst>
-          </a:blip>
-          <a:stretch>
-            <a:fillRect/>
-          </a:stretch>
-        </p:blipFill>
-        <p:spPr>
-          <a:xfrm>
-            <a:off x="1754958" y="2874561"/>
-            <a:ext cx="1105054" cy="295316"/>
+            <a:off x="1485024" y="4216490"/>
+            <a:ext cx="1371101" cy="1366531"/>
           </a:xfrm>
           <a:prstGeom prst="rect">
             <a:avLst/>
@@ -8007,7 +7163,7 @@
     </p:spTree>
     <p:extLst>
       <p:ext uri="{BB962C8B-B14F-4D97-AF65-F5344CB8AC3E}">
-        <p14:creationId xmlns:p14="http://schemas.microsoft.com/office/powerpoint/2010/main" val="2438696619"/>
+        <p14:creationId xmlns:p14="http://schemas.microsoft.com/office/powerpoint/2010/main" val="3706749714"/>
       </p:ext>
     </p:extLst>
   </p:cSld>
@@ -8036,10 +7192,10 @@
       </p:grpSpPr>
       <p:sp>
         <p:nvSpPr>
-          <p:cNvPr id="8" name="TextBox 7">
-            <a:extLst>
-              <a:ext uri="{FF2B5EF4-FFF2-40B4-BE49-F238E27FC236}">
-                <a16:creationId xmlns:a16="http://schemas.microsoft.com/office/drawing/2014/main" id="{B44EBA41-9A55-486C-A528-018E4C9CAE23}"/>
+          <p:cNvPr id="3" name="TextBox 2">
+            <a:extLst>
+              <a:ext uri="{FF2B5EF4-FFF2-40B4-BE49-F238E27FC236}">
+                <a16:creationId xmlns:a16="http://schemas.microsoft.com/office/drawing/2014/main" id="{44D0B5C6-CD6C-423A-A020-FE915A596642}"/>
               </a:ext>
             </a:extLst>
           </p:cNvPr>
@@ -8048,8 +7204,8 @@
         </p:nvSpPr>
         <p:spPr>
           <a:xfrm>
-            <a:off x="531843" y="304799"/>
-            <a:ext cx="2551611" cy="584775"/>
+            <a:off x="531842" y="304799"/>
+            <a:ext cx="3186717" cy="584775"/>
           </a:xfrm>
           <a:prstGeom prst="rect">
             <a:avLst/>
@@ -8081,56 +7237,17 @@
                 <a:ea typeface="Droid Sans Fallback" pitchFamily="2"/>
                 <a:cs typeface="Droid Sans Devanagari" pitchFamily="2"/>
               </a:rPr>
-              <a:t>C’est quoi ?</a:t>
-            </a:r>
-          </a:p>
-        </p:txBody>
-      </p:sp>
-      <p:pic>
-        <p:nvPicPr>
-          <p:cNvPr id="7" name="Graphic 6">
-            <a:extLst>
-              <a:ext uri="{FF2B5EF4-FFF2-40B4-BE49-F238E27FC236}">
-                <a16:creationId xmlns:a16="http://schemas.microsoft.com/office/drawing/2014/main" id="{567AC774-ABA6-4EF9-BC0F-8C781135BAFF}"/>
-              </a:ext>
-            </a:extLst>
-          </p:cNvPr>
-          <p:cNvPicPr>
-            <a:picLocks noChangeAspect="1"/>
-          </p:cNvPicPr>
-          <p:nvPr/>
-        </p:nvPicPr>
-        <p:blipFill>
-          <a:blip r:embed="rId2">
-            <a:extLst>
-              <a:ext uri="{28A0092B-C50C-407E-A947-70E740481C1C}">
-                <a14:useLocalDpi xmlns:a14="http://schemas.microsoft.com/office/drawing/2010/main" val="0"/>
-              </a:ext>
-              <a:ext uri="{96DAC541-7B7A-43D3-8B79-37D633B846F1}">
-                <asvg:svgBlip xmlns:asvg="http://schemas.microsoft.com/office/drawing/2016/SVG/main" r:embed="rId3"/>
-              </a:ext>
-            </a:extLst>
-          </a:blip>
-          <a:stretch>
-            <a:fillRect/>
-          </a:stretch>
-        </p:blipFill>
-        <p:spPr>
-          <a:xfrm>
-            <a:off x="11242766" y="221192"/>
-            <a:ext cx="668382" cy="668382"/>
-          </a:xfrm>
-          <a:prstGeom prst="rect">
-            <a:avLst/>
-          </a:prstGeom>
-        </p:spPr>
-      </p:pic>
-      <p:sp>
-        <p:nvSpPr>
-          <p:cNvPr id="9" name="TextBox 8">
-            <a:extLst>
-              <a:ext uri="{FF2B5EF4-FFF2-40B4-BE49-F238E27FC236}">
-                <a16:creationId xmlns:a16="http://schemas.microsoft.com/office/drawing/2014/main" id="{EAA9AA8E-3B57-4F69-B541-FF42D3DDD197}"/>
+              <a:t>A quoi ça sert ?</a:t>
+            </a:r>
+          </a:p>
+        </p:txBody>
+      </p:sp>
+      <p:sp>
+        <p:nvSpPr>
+          <p:cNvPr id="4" name="TextBox 3">
+            <a:extLst>
+              <a:ext uri="{FF2B5EF4-FFF2-40B4-BE49-F238E27FC236}">
+                <a16:creationId xmlns:a16="http://schemas.microsoft.com/office/drawing/2014/main" id="{C21AD05B-74E0-4C0B-B6A8-3FEE6870E611}"/>
               </a:ext>
             </a:extLst>
           </p:cNvPr>
@@ -8139,8 +7256,8 @@
         </p:nvSpPr>
         <p:spPr>
           <a:xfrm>
-            <a:off x="5300927" y="2092267"/>
-            <a:ext cx="8307357" cy="461665"/>
+            <a:off x="531843" y="2010437"/>
+            <a:ext cx="9648477" cy="461665"/>
           </a:xfrm>
           <a:prstGeom prst="rect">
             <a:avLst/>
@@ -8162,17 +7279,25 @@
                   </a:schemeClr>
                 </a:solidFill>
               </a:rPr>
-              <a:t>- Sur-ensemble de JavaScript compilé en JavaScript</a:t>
-            </a:r>
-          </a:p>
-        </p:txBody>
-      </p:sp>
-      <p:sp>
-        <p:nvSpPr>
-          <p:cNvPr id="10" name="TextBox 9">
-            <a:extLst>
-              <a:ext uri="{FF2B5EF4-FFF2-40B4-BE49-F238E27FC236}">
-                <a16:creationId xmlns:a16="http://schemas.microsoft.com/office/drawing/2014/main" id="{72EE592C-E397-4102-B712-F4DEBD83ECE2}"/>
+              <a:t>- Simplifie le code, le rendant plus facile à lire et a </a:t>
+            </a:r>
+            <a:r>
+              <a:rPr lang="fr-FR" sz="2400" dirty="0">
+                <a:solidFill>
+                  <a:srgbClr val="262626"/>
+                </a:solidFill>
+              </a:rPr>
+              <a:t>débuguer ( typage )</a:t>
+            </a:r>
+          </a:p>
+        </p:txBody>
+      </p:sp>
+      <p:sp>
+        <p:nvSpPr>
+          <p:cNvPr id="15" name="TextBox 14">
+            <a:extLst>
+              <a:ext uri="{FF2B5EF4-FFF2-40B4-BE49-F238E27FC236}">
+                <a16:creationId xmlns:a16="http://schemas.microsoft.com/office/drawing/2014/main" id="{2DC138C5-8EAD-4337-84D1-D6D5A936C692}"/>
               </a:ext>
             </a:extLst>
           </p:cNvPr>
@@ -8181,8 +7306,8 @@
         </p:nvSpPr>
         <p:spPr>
           <a:xfrm>
-            <a:off x="5300927" y="4570085"/>
-            <a:ext cx="8307357" cy="461665"/>
+            <a:off x="531842" y="2715942"/>
+            <a:ext cx="10266785" cy="461665"/>
           </a:xfrm>
           <a:prstGeom prst="rect">
             <a:avLst/>
@@ -8198,59 +7323,36 @@
             <a:r>
               <a:rPr lang="fr-FR" sz="2400" dirty="0">
                 <a:solidFill>
-                  <a:schemeClr val="tx1">
-                    <a:lumMod val="85000"/>
-                    <a:lumOff val="15000"/>
-                  </a:schemeClr>
+                  <a:srgbClr val="262626"/>
                 </a:solidFill>
               </a:rPr>
-              <a:t>- Utilisé pour développer Visual studio code</a:t>
+              <a:t>- Augmente la productivité dans les IDE notamment grâce au </a:t>
+            </a:r>
+            <a:r>
+              <a:rPr lang="fr-FR" sz="2400" dirty="0" err="1">
+                <a:solidFill>
+                  <a:srgbClr val="262626"/>
+                </a:solidFill>
+              </a:rPr>
+              <a:t>static</a:t>
+            </a:r>
+            <a:r>
+              <a:rPr lang="fr-FR" sz="2400" dirty="0">
+                <a:solidFill>
+                  <a:srgbClr val="262626"/>
+                </a:solidFill>
+              </a:rPr>
+              <a:t> checking</a:t>
             </a:r>
           </a:p>
         </p:txBody>
       </p:sp>
       <p:pic>
         <p:nvPicPr>
-          <p:cNvPr id="6" name="Picture 5">
-            <a:extLst>
-              <a:ext uri="{FF2B5EF4-FFF2-40B4-BE49-F238E27FC236}">
-                <a16:creationId xmlns:a16="http://schemas.microsoft.com/office/drawing/2014/main" id="{552B5C09-2A99-41B4-9DB6-7BD3716CC96F}"/>
-              </a:ext>
-            </a:extLst>
-          </p:cNvPr>
-          <p:cNvPicPr>
-            <a:picLocks noChangeAspect="1"/>
-          </p:cNvPicPr>
-          <p:nvPr/>
-        </p:nvPicPr>
-        <p:blipFill>
-          <a:blip r:embed="rId4">
-            <a:extLst>
-              <a:ext uri="{28A0092B-C50C-407E-A947-70E740481C1C}">
-                <a14:useLocalDpi xmlns:a14="http://schemas.microsoft.com/office/drawing/2010/main" val="0"/>
-              </a:ext>
-            </a:extLst>
-          </a:blip>
-          <a:stretch>
-            <a:fillRect/>
-          </a:stretch>
-        </p:blipFill>
-        <p:spPr>
-          <a:xfrm>
-            <a:off x="2856125" y="1885550"/>
-            <a:ext cx="668382" cy="668382"/>
-          </a:xfrm>
-          <a:prstGeom prst="rect">
-            <a:avLst/>
-          </a:prstGeom>
-        </p:spPr>
-      </p:pic>
-      <p:pic>
-        <p:nvPicPr>
-          <p:cNvPr id="12" name="Graphic 11">
-            <a:extLst>
-              <a:ext uri="{FF2B5EF4-FFF2-40B4-BE49-F238E27FC236}">
-                <a16:creationId xmlns:a16="http://schemas.microsoft.com/office/drawing/2014/main" id="{2A34EB1A-9C1C-4FC4-8126-6DCA17FF0F97}"/>
+          <p:cNvPr id="6" name="Graphic 5">
+            <a:extLst>
+              <a:ext uri="{FF2B5EF4-FFF2-40B4-BE49-F238E27FC236}">
+                <a16:creationId xmlns:a16="http://schemas.microsoft.com/office/drawing/2014/main" id="{F0035070-6B16-4D1A-A397-872F08E40F77}"/>
               </a:ext>
             </a:extLst>
           </p:cNvPr>
@@ -8276,83 +7378,8 @@
         </p:blipFill>
         <p:spPr>
           <a:xfrm>
-            <a:off x="810764" y="1885550"/>
+            <a:off x="11242766" y="221192"/>
             <a:ext cx="668382" cy="668382"/>
-          </a:xfrm>
-          <a:prstGeom prst="rect">
-            <a:avLst/>
-          </a:prstGeom>
-        </p:spPr>
-      </p:pic>
-      <p:cxnSp>
-        <p:nvCxnSpPr>
-          <p:cNvPr id="14" name="Straight Arrow Connector 13">
-            <a:extLst>
-              <a:ext uri="{FF2B5EF4-FFF2-40B4-BE49-F238E27FC236}">
-                <a16:creationId xmlns:a16="http://schemas.microsoft.com/office/drawing/2014/main" id="{3991749E-267A-4813-A19E-59EE51BD8A26}"/>
-              </a:ext>
-            </a:extLst>
-          </p:cNvPr>
-          <p:cNvCxnSpPr/>
-          <p:nvPr/>
-        </p:nvCxnSpPr>
-        <p:spPr>
-          <a:xfrm>
-            <a:off x="1588168" y="2219741"/>
-            <a:ext cx="1135781" cy="0"/>
-          </a:xfrm>
-          <a:prstGeom prst="straightConnector1">
-            <a:avLst/>
-          </a:prstGeom>
-          <a:ln>
-            <a:tailEnd type="triangle"/>
-          </a:ln>
-        </p:spPr>
-        <p:style>
-          <a:lnRef idx="3">
-            <a:schemeClr val="dk1"/>
-          </a:lnRef>
-          <a:fillRef idx="0">
-            <a:schemeClr val="dk1"/>
-          </a:fillRef>
-          <a:effectRef idx="2">
-            <a:schemeClr val="dk1"/>
-          </a:effectRef>
-          <a:fontRef idx="minor">
-            <a:schemeClr val="tx1"/>
-          </a:fontRef>
-        </p:style>
-      </p:cxnSp>
-      <p:pic>
-        <p:nvPicPr>
-          <p:cNvPr id="16" name="Picture 15">
-            <a:extLst>
-              <a:ext uri="{FF2B5EF4-FFF2-40B4-BE49-F238E27FC236}">
-                <a16:creationId xmlns:a16="http://schemas.microsoft.com/office/drawing/2014/main" id="{71311836-A0D2-42DF-AE3E-1FC909C2B3AF}"/>
-              </a:ext>
-            </a:extLst>
-          </p:cNvPr>
-          <p:cNvPicPr>
-            <a:picLocks noChangeAspect="1"/>
-          </p:cNvPicPr>
-          <p:nvPr/>
-        </p:nvPicPr>
-        <p:blipFill>
-          <a:blip r:embed="rId5">
-            <a:extLst>
-              <a:ext uri="{28A0092B-C50C-407E-A947-70E740481C1C}">
-                <a14:useLocalDpi xmlns:a14="http://schemas.microsoft.com/office/drawing/2010/main" val="0"/>
-              </a:ext>
-            </a:extLst>
-          </a:blip>
-          <a:stretch>
-            <a:fillRect/>
-          </a:stretch>
-        </p:blipFill>
-        <p:spPr>
-          <a:xfrm>
-            <a:off x="1485024" y="4216490"/>
-            <a:ext cx="1371101" cy="1366531"/>
           </a:xfrm>
           <a:prstGeom prst="rect">
             <a:avLst/>
@@ -8362,7 +7389,7 @@
     </p:spTree>
     <p:extLst>
       <p:ext uri="{BB962C8B-B14F-4D97-AF65-F5344CB8AC3E}">
-        <p14:creationId xmlns:p14="http://schemas.microsoft.com/office/powerpoint/2010/main" val="3706749714"/>
+        <p14:creationId xmlns:p14="http://schemas.microsoft.com/office/powerpoint/2010/main" val="455485172"/>
       </p:ext>
     </p:extLst>
   </p:cSld>
@@ -8391,10 +7418,10 @@
       </p:grpSpPr>
       <p:sp>
         <p:nvSpPr>
-          <p:cNvPr id="3" name="TextBox 2">
-            <a:extLst>
-              <a:ext uri="{FF2B5EF4-FFF2-40B4-BE49-F238E27FC236}">
-                <a16:creationId xmlns:a16="http://schemas.microsoft.com/office/drawing/2014/main" id="{44D0B5C6-CD6C-423A-A020-FE915A596642}"/>
+          <p:cNvPr id="2" name="TextBox 1">
+            <a:extLst>
+              <a:ext uri="{FF2B5EF4-FFF2-40B4-BE49-F238E27FC236}">
+                <a16:creationId xmlns:a16="http://schemas.microsoft.com/office/drawing/2014/main" id="{E63DFEFB-F6EF-4586-BAF4-6EC3BF2B3876}"/>
               </a:ext>
             </a:extLst>
           </p:cNvPr>
@@ -8403,8 +7430,8 @@
         </p:nvSpPr>
         <p:spPr>
           <a:xfrm>
-            <a:off x="531842" y="304799"/>
-            <a:ext cx="3186717" cy="584775"/>
+            <a:off x="335589" y="3013501"/>
+            <a:ext cx="11520821" cy="830997"/>
           </a:xfrm>
           <a:prstGeom prst="rect">
             <a:avLst/>
@@ -8425,7 +7452,7 @@
               </a:defRPr>
             </a:pPr>
             <a:r>
-              <a:rPr lang="fr-FR" dirty="0">
+              <a:rPr lang="fr-FR" sz="4800" dirty="0">
                 <a:solidFill>
                   <a:schemeClr val="tx1">
                     <a:lumMod val="85000"/>
@@ -8436,122 +7463,17 @@
                 <a:ea typeface="Droid Sans Fallback" pitchFamily="2"/>
                 <a:cs typeface="Droid Sans Devanagari" pitchFamily="2"/>
               </a:rPr>
-              <a:t>A quoi ça sert ?</a:t>
-            </a:r>
-          </a:p>
-        </p:txBody>
-      </p:sp>
-      <p:sp>
-        <p:nvSpPr>
-          <p:cNvPr id="4" name="TextBox 3">
-            <a:extLst>
-              <a:ext uri="{FF2B5EF4-FFF2-40B4-BE49-F238E27FC236}">
-                <a16:creationId xmlns:a16="http://schemas.microsoft.com/office/drawing/2014/main" id="{C21AD05B-74E0-4C0B-B6A8-3FEE6870E611}"/>
-              </a:ext>
-            </a:extLst>
-          </p:cNvPr>
-          <p:cNvSpPr txBox="1"/>
-          <p:nvPr/>
-        </p:nvSpPr>
-        <p:spPr>
-          <a:xfrm>
-            <a:off x="531843" y="2010437"/>
-            <a:ext cx="9648477" cy="461665"/>
-          </a:xfrm>
-          <a:prstGeom prst="rect">
-            <a:avLst/>
-          </a:prstGeom>
-          <a:noFill/>
-        </p:spPr>
-        <p:txBody>
-          <a:bodyPr wrap="square" rtlCol="0">
-            <a:spAutoFit/>
-          </a:bodyPr>
-          <a:lstStyle/>
-          <a:p>
-            <a:r>
-              <a:rPr lang="fr-FR" sz="2400" dirty="0">
-                <a:solidFill>
-                  <a:schemeClr val="tx1">
-                    <a:lumMod val="85000"/>
-                    <a:lumOff val="15000"/>
-                  </a:schemeClr>
-                </a:solidFill>
-              </a:rPr>
-              <a:t>- Simplifie le code, le rendant plus facile à lire et a </a:t>
-            </a:r>
-            <a:r>
-              <a:rPr lang="fr-FR" sz="2400" dirty="0">
-                <a:solidFill>
-                  <a:srgbClr val="262626"/>
-                </a:solidFill>
-              </a:rPr>
-              <a:t>débuguer ( typage )</a:t>
-            </a:r>
-          </a:p>
-        </p:txBody>
-      </p:sp>
-      <p:sp>
-        <p:nvSpPr>
-          <p:cNvPr id="15" name="TextBox 14">
-            <a:extLst>
-              <a:ext uri="{FF2B5EF4-FFF2-40B4-BE49-F238E27FC236}">
-                <a16:creationId xmlns:a16="http://schemas.microsoft.com/office/drawing/2014/main" id="{2DC138C5-8EAD-4337-84D1-D6D5A936C692}"/>
-              </a:ext>
-            </a:extLst>
-          </p:cNvPr>
-          <p:cNvSpPr txBox="1"/>
-          <p:nvPr/>
-        </p:nvSpPr>
-        <p:spPr>
-          <a:xfrm>
-            <a:off x="531842" y="2715942"/>
-            <a:ext cx="10266785" cy="461665"/>
-          </a:xfrm>
-          <a:prstGeom prst="rect">
-            <a:avLst/>
-          </a:prstGeom>
-          <a:noFill/>
-        </p:spPr>
-        <p:txBody>
-          <a:bodyPr wrap="square" rtlCol="0">
-            <a:spAutoFit/>
-          </a:bodyPr>
-          <a:lstStyle/>
-          <a:p>
-            <a:r>
-              <a:rPr lang="fr-FR" sz="2400" dirty="0">
-                <a:solidFill>
-                  <a:srgbClr val="262626"/>
-                </a:solidFill>
-              </a:rPr>
-              <a:t>- Augmente la productivité dans les IDE notamment grâce au </a:t>
-            </a:r>
-            <a:r>
-              <a:rPr lang="fr-FR" sz="2400" dirty="0" err="1">
-                <a:solidFill>
-                  <a:srgbClr val="262626"/>
-                </a:solidFill>
-              </a:rPr>
-              <a:t>static</a:t>
-            </a:r>
-            <a:r>
-              <a:rPr lang="fr-FR" sz="2400" dirty="0">
-                <a:solidFill>
-                  <a:srgbClr val="262626"/>
-                </a:solidFill>
-              </a:rPr>
-              <a:t> checking</a:t>
+              <a:t>Comment ça marche ? - variables</a:t>
             </a:r>
           </a:p>
         </p:txBody>
       </p:sp>
       <p:pic>
         <p:nvPicPr>
-          <p:cNvPr id="6" name="Graphic 5">
-            <a:extLst>
-              <a:ext uri="{FF2B5EF4-FFF2-40B4-BE49-F238E27FC236}">
-                <a16:creationId xmlns:a16="http://schemas.microsoft.com/office/drawing/2014/main" id="{F0035070-6B16-4D1A-A397-872F08E40F77}"/>
+          <p:cNvPr id="3" name="Graphic 2">
+            <a:extLst>
+              <a:ext uri="{FF2B5EF4-FFF2-40B4-BE49-F238E27FC236}">
+                <a16:creationId xmlns:a16="http://schemas.microsoft.com/office/drawing/2014/main" id="{2A38A8D4-D963-43E1-A16C-A3F85C255D42}"/>
               </a:ext>
             </a:extLst>
           </p:cNvPr>
@@ -8588,7 +7510,7 @@
     </p:spTree>
     <p:extLst>
       <p:ext uri="{BB962C8B-B14F-4D97-AF65-F5344CB8AC3E}">
-        <p14:creationId xmlns:p14="http://schemas.microsoft.com/office/powerpoint/2010/main" val="455485172"/>
+        <p14:creationId xmlns:p14="http://schemas.microsoft.com/office/powerpoint/2010/main" val="3868621083"/>
       </p:ext>
     </p:extLst>
   </p:cSld>
@@ -8620,127 +7542,6 @@
           <p:cNvPr id="2" name="TextBox 1">
             <a:extLst>
               <a:ext uri="{FF2B5EF4-FFF2-40B4-BE49-F238E27FC236}">
-                <a16:creationId xmlns:a16="http://schemas.microsoft.com/office/drawing/2014/main" id="{E63DFEFB-F6EF-4586-BAF4-6EC3BF2B3876}"/>
-              </a:ext>
-            </a:extLst>
-          </p:cNvPr>
-          <p:cNvSpPr txBox="1"/>
-          <p:nvPr/>
-        </p:nvSpPr>
-        <p:spPr>
-          <a:xfrm>
-            <a:off x="335589" y="3013501"/>
-            <a:ext cx="11520821" cy="830997"/>
-          </a:xfrm>
-          <a:prstGeom prst="rect">
-            <a:avLst/>
-          </a:prstGeom>
-          <a:noFill/>
-        </p:spPr>
-        <p:txBody>
-          <a:bodyPr wrap="square" rtlCol="0">
-            <a:spAutoFit/>
-          </a:bodyPr>
-          <a:lstStyle/>
-          <a:p>
-            <a:pPr lvl="0" algn="ctr" hangingPunct="0">
-              <a:defRPr sz="3200">
-                <a:solidFill>
-                  <a:srgbClr val="DDDDDD"/>
-                </a:solidFill>
-              </a:defRPr>
-            </a:pPr>
-            <a:r>
-              <a:rPr lang="fr-FR" sz="4800" dirty="0">
-                <a:solidFill>
-                  <a:schemeClr val="tx1">
-                    <a:lumMod val="85000"/>
-                    <a:lumOff val="15000"/>
-                  </a:schemeClr>
-                </a:solidFill>
-                <a:latin typeface="Liberation Sans" pitchFamily="18"/>
-                <a:ea typeface="Droid Sans Fallback" pitchFamily="2"/>
-                <a:cs typeface="Droid Sans Devanagari" pitchFamily="2"/>
-              </a:rPr>
-              <a:t>Comment ça marche ? - variables</a:t>
-            </a:r>
-          </a:p>
-        </p:txBody>
-      </p:sp>
-      <p:pic>
-        <p:nvPicPr>
-          <p:cNvPr id="3" name="Graphic 2">
-            <a:extLst>
-              <a:ext uri="{FF2B5EF4-FFF2-40B4-BE49-F238E27FC236}">
-                <a16:creationId xmlns:a16="http://schemas.microsoft.com/office/drawing/2014/main" id="{2A38A8D4-D963-43E1-A16C-A3F85C255D42}"/>
-              </a:ext>
-            </a:extLst>
-          </p:cNvPr>
-          <p:cNvPicPr>
-            <a:picLocks noChangeAspect="1"/>
-          </p:cNvPicPr>
-          <p:nvPr/>
-        </p:nvPicPr>
-        <p:blipFill>
-          <a:blip r:embed="rId2">
-            <a:extLst>
-              <a:ext uri="{28A0092B-C50C-407E-A947-70E740481C1C}">
-                <a14:useLocalDpi xmlns:a14="http://schemas.microsoft.com/office/drawing/2010/main" val="0"/>
-              </a:ext>
-              <a:ext uri="{96DAC541-7B7A-43D3-8B79-37D633B846F1}">
-                <asvg:svgBlip xmlns:asvg="http://schemas.microsoft.com/office/drawing/2016/SVG/main" r:embed="rId3"/>
-              </a:ext>
-            </a:extLst>
-          </a:blip>
-          <a:stretch>
-            <a:fillRect/>
-          </a:stretch>
-        </p:blipFill>
-        <p:spPr>
-          <a:xfrm>
-            <a:off x="11242766" y="221192"/>
-            <a:ext cx="668382" cy="668382"/>
-          </a:xfrm>
-          <a:prstGeom prst="rect">
-            <a:avLst/>
-          </a:prstGeom>
-        </p:spPr>
-      </p:pic>
-    </p:spTree>
-    <p:extLst>
-      <p:ext uri="{BB962C8B-B14F-4D97-AF65-F5344CB8AC3E}">
-        <p14:creationId xmlns:p14="http://schemas.microsoft.com/office/powerpoint/2010/main" val="3868621083"/>
-      </p:ext>
-    </p:extLst>
-  </p:cSld>
-  <p:clrMapOvr>
-    <a:masterClrMapping/>
-  </p:clrMapOvr>
-</p:sld>
-</file>
-
-<file path=ppt/slides/slide7.xml><?xml version="1.0" encoding="utf-8"?>
-<p:sld xmlns:a="http://schemas.openxmlformats.org/drawingml/2006/main" xmlns:r="http://schemas.openxmlformats.org/officeDocument/2006/relationships" xmlns:p="http://schemas.openxmlformats.org/presentationml/2006/main">
-  <p:cSld>
-    <p:spTree>
-      <p:nvGrpSpPr>
-        <p:cNvPr id="1" name=""/>
-        <p:cNvGrpSpPr/>
-        <p:nvPr/>
-      </p:nvGrpSpPr>
-      <p:grpSpPr>
-        <a:xfrm>
-          <a:off x="0" y="0"/>
-          <a:ext cx="0" cy="0"/>
-          <a:chOff x="0" y="0"/>
-          <a:chExt cx="0" cy="0"/>
-        </a:xfrm>
-      </p:grpSpPr>
-      <p:sp>
-        <p:nvSpPr>
-          <p:cNvPr id="2" name="TextBox 1">
-            <a:extLst>
-              <a:ext uri="{FF2B5EF4-FFF2-40B4-BE49-F238E27FC236}">
                 <a16:creationId xmlns:a16="http://schemas.microsoft.com/office/drawing/2014/main" id="{D1A61519-C832-457A-BD1B-0E208D4A50CD}"/>
               </a:ext>
             </a:extLst>
@@ -8876,7 +7677,7 @@
 </p:sld>
 </file>
 
-<file path=ppt/slides/slide8.xml><?xml version="1.0" encoding="utf-8"?>
+<file path=ppt/slides/slide7.xml><?xml version="1.0" encoding="utf-8"?>
 <p:sld xmlns:a="http://schemas.openxmlformats.org/drawingml/2006/main" xmlns:r="http://schemas.openxmlformats.org/officeDocument/2006/relationships" xmlns:p="http://schemas.openxmlformats.org/presentationml/2006/main">
   <p:cSld>
     <p:spTree>
@@ -9144,6 +7945,163 @@
 </p:sld>
 </file>
 
+<file path=ppt/slides/slide8.xml><?xml version="1.0" encoding="utf-8"?>
+<p:sld xmlns:a="http://schemas.openxmlformats.org/drawingml/2006/main" xmlns:r="http://schemas.openxmlformats.org/officeDocument/2006/relationships" xmlns:p="http://schemas.openxmlformats.org/presentationml/2006/main">
+  <p:cSld>
+    <p:spTree>
+      <p:nvGrpSpPr>
+        <p:cNvPr id="1" name=""/>
+        <p:cNvGrpSpPr/>
+        <p:nvPr/>
+      </p:nvGrpSpPr>
+      <p:grpSpPr>
+        <a:xfrm>
+          <a:off x="0" y="0"/>
+          <a:ext cx="0" cy="0"/>
+          <a:chOff x="0" y="0"/>
+          <a:chExt cx="0" cy="0"/>
+        </a:xfrm>
+      </p:grpSpPr>
+      <p:sp>
+        <p:nvSpPr>
+          <p:cNvPr id="2" name="TextBox 1">
+            <a:extLst>
+              <a:ext uri="{FF2B5EF4-FFF2-40B4-BE49-F238E27FC236}">
+                <a16:creationId xmlns:a16="http://schemas.microsoft.com/office/drawing/2014/main" id="{D1A61519-C832-457A-BD1B-0E208D4A50CD}"/>
+              </a:ext>
+            </a:extLst>
+          </p:cNvPr>
+          <p:cNvSpPr txBox="1"/>
+          <p:nvPr/>
+        </p:nvSpPr>
+        <p:spPr>
+          <a:xfrm>
+            <a:off x="531842" y="304799"/>
+            <a:ext cx="6826901" cy="584775"/>
+          </a:xfrm>
+          <a:prstGeom prst="rect">
+            <a:avLst/>
+          </a:prstGeom>
+          <a:noFill/>
+        </p:spPr>
+        <p:txBody>
+          <a:bodyPr wrap="square" rtlCol="0">
+            <a:spAutoFit/>
+          </a:bodyPr>
+          <a:lstStyle/>
+          <a:p>
+            <a:pPr lvl="0" hangingPunct="0">
+              <a:defRPr sz="3200">
+                <a:solidFill>
+                  <a:srgbClr val="DDDDDD"/>
+                </a:solidFill>
+              </a:defRPr>
+            </a:pPr>
+            <a:r>
+              <a:rPr lang="fr-FR" dirty="0">
+                <a:solidFill>
+                  <a:schemeClr val="tx1">
+                    <a:lumMod val="85000"/>
+                    <a:lumOff val="15000"/>
+                  </a:schemeClr>
+                </a:solidFill>
+                <a:latin typeface="Liberation Sans" pitchFamily="18"/>
+                <a:ea typeface="Droid Sans Fallback" pitchFamily="2"/>
+                <a:cs typeface="Droid Sans Devanagari" pitchFamily="2"/>
+              </a:rPr>
+              <a:t>Comment ça marche ? - variables</a:t>
+            </a:r>
+          </a:p>
+        </p:txBody>
+      </p:sp>
+      <p:pic>
+        <p:nvPicPr>
+          <p:cNvPr id="4" name="Picture 3">
+            <a:extLst>
+              <a:ext uri="{FF2B5EF4-FFF2-40B4-BE49-F238E27FC236}">
+                <a16:creationId xmlns:a16="http://schemas.microsoft.com/office/drawing/2014/main" id="{74153590-7479-48F8-A70E-318C225FF56F}"/>
+              </a:ext>
+            </a:extLst>
+          </p:cNvPr>
+          <p:cNvPicPr>
+            <a:picLocks noChangeAspect="1"/>
+          </p:cNvPicPr>
+          <p:nvPr/>
+        </p:nvPicPr>
+        <p:blipFill>
+          <a:blip r:embed="rId2">
+            <a:extLst>
+              <a:ext uri="{28A0092B-C50C-407E-A947-70E740481C1C}">
+                <a14:useLocalDpi xmlns:a14="http://schemas.microsoft.com/office/drawing/2010/main" val="0"/>
+              </a:ext>
+            </a:extLst>
+          </a:blip>
+          <a:stretch>
+            <a:fillRect/>
+          </a:stretch>
+        </p:blipFill>
+        <p:spPr>
+          <a:xfrm>
+            <a:off x="0" y="1025685"/>
+            <a:ext cx="12192000" cy="4806630"/>
+          </a:xfrm>
+          <a:prstGeom prst="rect">
+            <a:avLst/>
+          </a:prstGeom>
+        </p:spPr>
+      </p:pic>
+      <p:pic>
+        <p:nvPicPr>
+          <p:cNvPr id="6" name="Graphic 5">
+            <a:extLst>
+              <a:ext uri="{FF2B5EF4-FFF2-40B4-BE49-F238E27FC236}">
+                <a16:creationId xmlns:a16="http://schemas.microsoft.com/office/drawing/2014/main" id="{A11CC25D-01FF-444E-85F0-13A43E89E3CD}"/>
+              </a:ext>
+            </a:extLst>
+          </p:cNvPr>
+          <p:cNvPicPr>
+            <a:picLocks noChangeAspect="1"/>
+          </p:cNvPicPr>
+          <p:nvPr/>
+        </p:nvPicPr>
+        <p:blipFill>
+          <a:blip r:embed="rId3">
+            <a:extLst>
+              <a:ext uri="{28A0092B-C50C-407E-A947-70E740481C1C}">
+                <a14:useLocalDpi xmlns:a14="http://schemas.microsoft.com/office/drawing/2010/main" val="0"/>
+              </a:ext>
+              <a:ext uri="{96DAC541-7B7A-43D3-8B79-37D633B846F1}">
+                <asvg:svgBlip xmlns:asvg="http://schemas.microsoft.com/office/drawing/2016/SVG/main" r:embed="rId4"/>
+              </a:ext>
+            </a:extLst>
+          </a:blip>
+          <a:stretch>
+            <a:fillRect/>
+          </a:stretch>
+        </p:blipFill>
+        <p:spPr>
+          <a:xfrm>
+            <a:off x="11242766" y="221192"/>
+            <a:ext cx="668382" cy="668382"/>
+          </a:xfrm>
+          <a:prstGeom prst="rect">
+            <a:avLst/>
+          </a:prstGeom>
+        </p:spPr>
+      </p:pic>
+    </p:spTree>
+    <p:extLst>
+      <p:ext uri="{BB962C8B-B14F-4D97-AF65-F5344CB8AC3E}">
+        <p14:creationId xmlns:p14="http://schemas.microsoft.com/office/powerpoint/2010/main" val="895636535"/>
+      </p:ext>
+    </p:extLst>
+  </p:cSld>
+  <p:clrMapOvr>
+    <a:masterClrMapping/>
+  </p:clrMapOvr>
+</p:sld>
+</file>
+
 <file path=ppt/slides/slide9.xml><?xml version="1.0" encoding="utf-8"?>
 <p:sld xmlns:a="http://schemas.openxmlformats.org/drawingml/2006/main" xmlns:r="http://schemas.openxmlformats.org/officeDocument/2006/relationships" xmlns:p="http://schemas.openxmlformats.org/presentationml/2006/main">
   <p:cSld>
@@ -9175,8 +8133,8 @@
         </p:nvSpPr>
         <p:spPr>
           <a:xfrm>
-            <a:off x="531842" y="304799"/>
-            <a:ext cx="6826901" cy="584775"/>
+            <a:off x="531841" y="304799"/>
+            <a:ext cx="7073687" cy="584775"/>
           </a:xfrm>
           <a:prstGeom prst="rect">
             <a:avLst/>
@@ -9215,10 +8173,10 @@
       </p:sp>
       <p:pic>
         <p:nvPicPr>
-          <p:cNvPr id="4" name="Picture 3">
-            <a:extLst>
-              <a:ext uri="{FF2B5EF4-FFF2-40B4-BE49-F238E27FC236}">
-                <a16:creationId xmlns:a16="http://schemas.microsoft.com/office/drawing/2014/main" id="{74153590-7479-48F8-A70E-318C225FF56F}"/>
+          <p:cNvPr id="5" name="Picture 4">
+            <a:extLst>
+              <a:ext uri="{FF2B5EF4-FFF2-40B4-BE49-F238E27FC236}">
+                <a16:creationId xmlns:a16="http://schemas.microsoft.com/office/drawing/2014/main" id="{01ED9DF5-AD49-4CAD-B9E1-8158DE94AE48}"/>
               </a:ext>
             </a:extLst>
           </p:cNvPr>
@@ -9241,20 +8199,437 @@
         </p:blipFill>
         <p:spPr>
           <a:xfrm>
-            <a:off x="0" y="1025685"/>
-            <a:ext cx="12192000" cy="4806630"/>
+            <a:off x="-1837555" y="533126"/>
+            <a:ext cx="16073935" cy="4463697"/>
           </a:xfrm>
           <a:prstGeom prst="rect">
             <a:avLst/>
           </a:prstGeom>
         </p:spPr>
       </p:pic>
+      <p:sp>
+        <p:nvSpPr>
+          <p:cNvPr id="6" name="Right Brace 5">
+            <a:extLst>
+              <a:ext uri="{FF2B5EF4-FFF2-40B4-BE49-F238E27FC236}">
+                <a16:creationId xmlns:a16="http://schemas.microsoft.com/office/drawing/2014/main" id="{770BC3B1-FE32-4408-B0D3-CEF291644DF6}"/>
+              </a:ext>
+            </a:extLst>
+          </p:cNvPr>
+          <p:cNvSpPr/>
+          <p:nvPr/>
+        </p:nvSpPr>
+        <p:spPr>
+          <a:xfrm rot="5400000">
+            <a:off x="4591213" y="2365528"/>
+            <a:ext cx="322217" cy="1423090"/>
+          </a:xfrm>
+          <a:prstGeom prst="rightBrace">
+            <a:avLst/>
+          </a:prstGeom>
+          <a:ln w="28575">
+            <a:solidFill>
+              <a:srgbClr val="00B050"/>
+            </a:solidFill>
+          </a:ln>
+        </p:spPr>
+        <p:style>
+          <a:lnRef idx="3">
+            <a:schemeClr val="dk1"/>
+          </a:lnRef>
+          <a:fillRef idx="0">
+            <a:schemeClr val="dk1"/>
+          </a:fillRef>
+          <a:effectRef idx="2">
+            <a:schemeClr val="dk1"/>
+          </a:effectRef>
+          <a:fontRef idx="minor">
+            <a:schemeClr val="tx1"/>
+          </a:fontRef>
+        </p:style>
+        <p:txBody>
+          <a:bodyPr rtlCol="0" anchor="ctr"/>
+          <a:lstStyle/>
+          <a:p>
+            <a:pPr algn="ctr"/>
+            <a:endParaRPr lang="fr-FR" dirty="0">
+              <a:solidFill>
+                <a:srgbClr val="FF0000"/>
+              </a:solidFill>
+              <a:highlight>
+                <a:srgbClr val="FFFF00"/>
+              </a:highlight>
+            </a:endParaRPr>
+          </a:p>
+        </p:txBody>
+      </p:sp>
+      <p:sp>
+        <p:nvSpPr>
+          <p:cNvPr id="7" name="Right Brace 6">
+            <a:extLst>
+              <a:ext uri="{FF2B5EF4-FFF2-40B4-BE49-F238E27FC236}">
+                <a16:creationId xmlns:a16="http://schemas.microsoft.com/office/drawing/2014/main" id="{1F6D366E-A91D-4718-889D-C5BE1497F2AC}"/>
+              </a:ext>
+            </a:extLst>
+          </p:cNvPr>
+          <p:cNvSpPr/>
+          <p:nvPr/>
+        </p:nvSpPr>
+        <p:spPr>
+          <a:xfrm rot="5400000">
+            <a:off x="6181583" y="2459222"/>
+            <a:ext cx="322217" cy="1235701"/>
+          </a:xfrm>
+          <a:prstGeom prst="rightBrace">
+            <a:avLst/>
+          </a:prstGeom>
+          <a:ln w="28575">
+            <a:solidFill>
+              <a:srgbClr val="0070C0"/>
+            </a:solidFill>
+          </a:ln>
+        </p:spPr>
+        <p:style>
+          <a:lnRef idx="3">
+            <a:schemeClr val="dk1"/>
+          </a:lnRef>
+          <a:fillRef idx="0">
+            <a:schemeClr val="dk1"/>
+          </a:fillRef>
+          <a:effectRef idx="2">
+            <a:schemeClr val="dk1"/>
+          </a:effectRef>
+          <a:fontRef idx="minor">
+            <a:schemeClr val="tx1"/>
+          </a:fontRef>
+        </p:style>
+        <p:txBody>
+          <a:bodyPr rtlCol="0" anchor="ctr"/>
+          <a:lstStyle/>
+          <a:p>
+            <a:pPr algn="ctr"/>
+            <a:endParaRPr lang="fr-FR" dirty="0">
+              <a:solidFill>
+                <a:srgbClr val="FF0000"/>
+              </a:solidFill>
+              <a:highlight>
+                <a:srgbClr val="FFFF00"/>
+              </a:highlight>
+            </a:endParaRPr>
+          </a:p>
+        </p:txBody>
+      </p:sp>
+      <p:sp>
+        <p:nvSpPr>
+          <p:cNvPr id="8" name="Right Brace 7">
+            <a:extLst>
+              <a:ext uri="{FF2B5EF4-FFF2-40B4-BE49-F238E27FC236}">
+                <a16:creationId xmlns:a16="http://schemas.microsoft.com/office/drawing/2014/main" id="{4C1631EA-81A2-4373-8C35-B8BFED36E546}"/>
+              </a:ext>
+            </a:extLst>
+          </p:cNvPr>
+          <p:cNvSpPr/>
+          <p:nvPr/>
+        </p:nvSpPr>
+        <p:spPr>
+          <a:xfrm rot="5400000">
+            <a:off x="8110835" y="2410657"/>
+            <a:ext cx="322217" cy="1332829"/>
+          </a:xfrm>
+          <a:prstGeom prst="rightBrace">
+            <a:avLst/>
+          </a:prstGeom>
+          <a:ln w="28575">
+            <a:solidFill>
+              <a:srgbClr val="C00000"/>
+            </a:solidFill>
+          </a:ln>
+        </p:spPr>
+        <p:style>
+          <a:lnRef idx="3">
+            <a:schemeClr val="dk1"/>
+          </a:lnRef>
+          <a:fillRef idx="0">
+            <a:schemeClr val="dk1"/>
+          </a:fillRef>
+          <a:effectRef idx="2">
+            <a:schemeClr val="dk1"/>
+          </a:effectRef>
+          <a:fontRef idx="minor">
+            <a:schemeClr val="tx1"/>
+          </a:fontRef>
+        </p:style>
+        <p:txBody>
+          <a:bodyPr rtlCol="0" anchor="ctr"/>
+          <a:lstStyle/>
+          <a:p>
+            <a:pPr algn="ctr"/>
+            <a:endParaRPr lang="fr-FR" dirty="0">
+              <a:solidFill>
+                <a:srgbClr val="FF0000"/>
+              </a:solidFill>
+              <a:highlight>
+                <a:srgbClr val="FFFF00"/>
+              </a:highlight>
+            </a:endParaRPr>
+          </a:p>
+        </p:txBody>
+      </p:sp>
+      <p:cxnSp>
+        <p:nvCxnSpPr>
+          <p:cNvPr id="15" name="Straight Arrow Connector 14">
+            <a:extLst>
+              <a:ext uri="{FF2B5EF4-FFF2-40B4-BE49-F238E27FC236}">
+                <a16:creationId xmlns:a16="http://schemas.microsoft.com/office/drawing/2014/main" id="{69F7866D-A518-4790-81B0-BCE61ED7FF19}"/>
+              </a:ext>
+            </a:extLst>
+          </p:cNvPr>
+          <p:cNvCxnSpPr>
+            <a:cxnSpLocks/>
+          </p:cNvCxnSpPr>
+          <p:nvPr/>
+        </p:nvCxnSpPr>
+        <p:spPr>
+          <a:xfrm flipH="1">
+            <a:off x="3089429" y="3645622"/>
+            <a:ext cx="1662893" cy="701936"/>
+          </a:xfrm>
+          <a:prstGeom prst="straightConnector1">
+            <a:avLst/>
+          </a:prstGeom>
+          <a:ln w="28575">
+            <a:solidFill>
+              <a:srgbClr val="00B050"/>
+            </a:solidFill>
+            <a:tailEnd type="triangle"/>
+          </a:ln>
+        </p:spPr>
+        <p:style>
+          <a:lnRef idx="3">
+            <a:schemeClr val="dk1"/>
+          </a:lnRef>
+          <a:fillRef idx="0">
+            <a:schemeClr val="dk1"/>
+          </a:fillRef>
+          <a:effectRef idx="2">
+            <a:schemeClr val="dk1"/>
+          </a:effectRef>
+          <a:fontRef idx="minor">
+            <a:schemeClr val="tx1"/>
+          </a:fontRef>
+        </p:style>
+      </p:cxnSp>
+      <p:sp>
+        <p:nvSpPr>
+          <p:cNvPr id="19" name="TextBox 18">
+            <a:extLst>
+              <a:ext uri="{FF2B5EF4-FFF2-40B4-BE49-F238E27FC236}">
+                <a16:creationId xmlns:a16="http://schemas.microsoft.com/office/drawing/2014/main" id="{64DF94B5-0379-4A54-A2C6-D35F9DA16A7D}"/>
+              </a:ext>
+            </a:extLst>
+          </p:cNvPr>
+          <p:cNvSpPr txBox="1"/>
+          <p:nvPr/>
+        </p:nvSpPr>
+        <p:spPr>
+          <a:xfrm>
+            <a:off x="1982693" y="4468429"/>
+            <a:ext cx="1114652" cy="646331"/>
+          </a:xfrm>
+          <a:prstGeom prst="rect">
+            <a:avLst/>
+          </a:prstGeom>
+          <a:noFill/>
+        </p:spPr>
+        <p:txBody>
+          <a:bodyPr wrap="square" rtlCol="0">
+            <a:spAutoFit/>
+          </a:bodyPr>
+          <a:lstStyle/>
+          <a:p>
+            <a:r>
+              <a:rPr lang="fr-FR" sz="3600" dirty="0">
+                <a:solidFill>
+                  <a:srgbClr val="00B050"/>
+                </a:solidFill>
+              </a:rPr>
+              <a:t>Nom </a:t>
+            </a:r>
+          </a:p>
+        </p:txBody>
+      </p:sp>
+      <p:cxnSp>
+        <p:nvCxnSpPr>
+          <p:cNvPr id="20" name="Straight Arrow Connector 19">
+            <a:extLst>
+              <a:ext uri="{FF2B5EF4-FFF2-40B4-BE49-F238E27FC236}">
+                <a16:creationId xmlns:a16="http://schemas.microsoft.com/office/drawing/2014/main" id="{93FF9BF3-5C0B-4C6F-90BC-BA8CEA51F088}"/>
+              </a:ext>
+            </a:extLst>
+          </p:cNvPr>
+          <p:cNvCxnSpPr>
+            <a:cxnSpLocks/>
+          </p:cNvCxnSpPr>
+          <p:nvPr/>
+        </p:nvCxnSpPr>
+        <p:spPr>
+          <a:xfrm flipH="1">
+            <a:off x="6354369" y="3619820"/>
+            <a:ext cx="1" cy="848609"/>
+          </a:xfrm>
+          <a:prstGeom prst="straightConnector1">
+            <a:avLst/>
+          </a:prstGeom>
+          <a:ln w="28575">
+            <a:solidFill>
+              <a:srgbClr val="0070C0"/>
+            </a:solidFill>
+            <a:tailEnd type="triangle"/>
+          </a:ln>
+        </p:spPr>
+        <p:style>
+          <a:lnRef idx="3">
+            <a:schemeClr val="dk1"/>
+          </a:lnRef>
+          <a:fillRef idx="0">
+            <a:schemeClr val="dk1"/>
+          </a:fillRef>
+          <a:effectRef idx="2">
+            <a:schemeClr val="dk1"/>
+          </a:effectRef>
+          <a:fontRef idx="minor">
+            <a:schemeClr val="tx1"/>
+          </a:fontRef>
+        </p:style>
+      </p:cxnSp>
+      <p:sp>
+        <p:nvSpPr>
+          <p:cNvPr id="22" name="TextBox 21">
+            <a:extLst>
+              <a:ext uri="{FF2B5EF4-FFF2-40B4-BE49-F238E27FC236}">
+                <a16:creationId xmlns:a16="http://schemas.microsoft.com/office/drawing/2014/main" id="{1B291788-C28E-4A0F-BB13-0F480B4B5373}"/>
+              </a:ext>
+            </a:extLst>
+          </p:cNvPr>
+          <p:cNvSpPr txBox="1"/>
+          <p:nvPr/>
+        </p:nvSpPr>
+        <p:spPr>
+          <a:xfrm>
+            <a:off x="5785365" y="4469651"/>
+            <a:ext cx="1114652" cy="646331"/>
+          </a:xfrm>
+          <a:prstGeom prst="rect">
+            <a:avLst/>
+          </a:prstGeom>
+          <a:noFill/>
+        </p:spPr>
+        <p:txBody>
+          <a:bodyPr wrap="square" rtlCol="0">
+            <a:spAutoFit/>
+          </a:bodyPr>
+          <a:lstStyle/>
+          <a:p>
+            <a:r>
+              <a:rPr lang="fr-FR" sz="3600" dirty="0">
+                <a:solidFill>
+                  <a:srgbClr val="0070C0"/>
+                </a:solidFill>
+              </a:rPr>
+              <a:t>Type</a:t>
+            </a:r>
+          </a:p>
+        </p:txBody>
+      </p:sp>
+      <p:cxnSp>
+        <p:nvCxnSpPr>
+          <p:cNvPr id="23" name="Straight Arrow Connector 22">
+            <a:extLst>
+              <a:ext uri="{FF2B5EF4-FFF2-40B4-BE49-F238E27FC236}">
+                <a16:creationId xmlns:a16="http://schemas.microsoft.com/office/drawing/2014/main" id="{B92BF040-21B5-48EF-8FFD-976E9158B278}"/>
+              </a:ext>
+            </a:extLst>
+          </p:cNvPr>
+          <p:cNvCxnSpPr>
+            <a:cxnSpLocks/>
+          </p:cNvCxnSpPr>
+          <p:nvPr/>
+        </p:nvCxnSpPr>
+        <p:spPr>
+          <a:xfrm>
+            <a:off x="8271943" y="3677706"/>
+            <a:ext cx="1582271" cy="669852"/>
+          </a:xfrm>
+          <a:prstGeom prst="straightConnector1">
+            <a:avLst/>
+          </a:prstGeom>
+          <a:ln w="28575">
+            <a:solidFill>
+              <a:srgbClr val="C00000"/>
+            </a:solidFill>
+            <a:tailEnd type="triangle"/>
+          </a:ln>
+        </p:spPr>
+        <p:style>
+          <a:lnRef idx="3">
+            <a:schemeClr val="dk1"/>
+          </a:lnRef>
+          <a:fillRef idx="0">
+            <a:schemeClr val="dk1"/>
+          </a:fillRef>
+          <a:effectRef idx="2">
+            <a:schemeClr val="dk1"/>
+          </a:effectRef>
+          <a:fontRef idx="minor">
+            <a:schemeClr val="tx1"/>
+          </a:fontRef>
+        </p:style>
+      </p:cxnSp>
+      <p:sp>
+        <p:nvSpPr>
+          <p:cNvPr id="27" name="TextBox 26">
+            <a:extLst>
+              <a:ext uri="{FF2B5EF4-FFF2-40B4-BE49-F238E27FC236}">
+                <a16:creationId xmlns:a16="http://schemas.microsoft.com/office/drawing/2014/main" id="{777F3949-72AF-4479-A8BD-85B834DFDB72}"/>
+              </a:ext>
+            </a:extLst>
+          </p:cNvPr>
+          <p:cNvSpPr txBox="1"/>
+          <p:nvPr/>
+        </p:nvSpPr>
+        <p:spPr>
+          <a:xfrm>
+            <a:off x="9151855" y="4463918"/>
+            <a:ext cx="1404717" cy="646331"/>
+          </a:xfrm>
+          <a:prstGeom prst="rect">
+            <a:avLst/>
+          </a:prstGeom>
+          <a:noFill/>
+        </p:spPr>
+        <p:txBody>
+          <a:bodyPr wrap="square" rtlCol="0">
+            <a:spAutoFit/>
+          </a:bodyPr>
+          <a:lstStyle/>
+          <a:p>
+            <a:r>
+              <a:rPr lang="fr-FR" sz="3600" dirty="0">
+                <a:solidFill>
+                  <a:srgbClr val="C00000"/>
+                </a:solidFill>
+              </a:rPr>
+              <a:t>Valeur</a:t>
+            </a:r>
+          </a:p>
+        </p:txBody>
+      </p:sp>
       <p:pic>
         <p:nvPicPr>
-          <p:cNvPr id="6" name="Graphic 5">
-            <a:extLst>
-              <a:ext uri="{FF2B5EF4-FFF2-40B4-BE49-F238E27FC236}">
-                <a16:creationId xmlns:a16="http://schemas.microsoft.com/office/drawing/2014/main" id="{A11CC25D-01FF-444E-85F0-13A43E89E3CD}"/>
+          <p:cNvPr id="32" name="Graphic 31">
+            <a:extLst>
+              <a:ext uri="{FF2B5EF4-FFF2-40B4-BE49-F238E27FC236}">
+                <a16:creationId xmlns:a16="http://schemas.microsoft.com/office/drawing/2014/main" id="{9C0A28FE-B3B7-4464-84A2-0C79E95F604F}"/>
               </a:ext>
             </a:extLst>
           </p:cNvPr>
@@ -9291,13 +8666,348 @@
     </p:spTree>
     <p:extLst>
       <p:ext uri="{BB962C8B-B14F-4D97-AF65-F5344CB8AC3E}">
-        <p14:creationId xmlns:p14="http://schemas.microsoft.com/office/powerpoint/2010/main" val="895636535"/>
+        <p14:creationId xmlns:p14="http://schemas.microsoft.com/office/powerpoint/2010/main" val="2368392021"/>
       </p:ext>
     </p:extLst>
   </p:cSld>
   <p:clrMapOvr>
     <a:masterClrMapping/>
   </p:clrMapOvr>
+  <p:timing>
+    <p:tnLst>
+      <p:par>
+        <p:cTn id="1" dur="indefinite" restart="never" nodeType="tmRoot">
+          <p:childTnLst>
+            <p:seq concurrent="1" nextAc="seek">
+              <p:cTn id="2" dur="indefinite" nodeType="mainSeq">
+                <p:childTnLst>
+                  <p:par>
+                    <p:cTn id="3" fill="hold">
+                      <p:stCondLst>
+                        <p:cond delay="indefinite"/>
+                      </p:stCondLst>
+                      <p:childTnLst>
+                        <p:par>
+                          <p:cTn id="4" fill="hold">
+                            <p:stCondLst>
+                              <p:cond delay="0"/>
+                            </p:stCondLst>
+                            <p:childTnLst>
+                              <p:par>
+                                <p:cTn id="5" presetID="1" presetClass="entr" presetSubtype="0" fill="hold" grpId="0" nodeType="clickEffect">
+                                  <p:stCondLst>
+                                    <p:cond delay="0"/>
+                                  </p:stCondLst>
+                                  <p:childTnLst>
+                                    <p:set>
+                                      <p:cBhvr>
+                                        <p:cTn id="6" dur="1" fill="hold">
+                                          <p:stCondLst>
+                                            <p:cond delay="0"/>
+                                          </p:stCondLst>
+                                        </p:cTn>
+                                        <p:tgtEl>
+                                          <p:spTgt spid="19"/>
+                                        </p:tgtEl>
+                                        <p:attrNameLst>
+                                          <p:attrName>style.visibility</p:attrName>
+                                        </p:attrNameLst>
+                                      </p:cBhvr>
+                                      <p:to>
+                                        <p:strVal val="visible"/>
+                                      </p:to>
+                                    </p:set>
+                                  </p:childTnLst>
+                                </p:cTn>
+                              </p:par>
+                              <p:par>
+                                <p:cTn id="7" presetID="1" presetClass="entr" presetSubtype="0" fill="hold" grpId="0" nodeType="withEffect">
+                                  <p:stCondLst>
+                                    <p:cond delay="0"/>
+                                  </p:stCondLst>
+                                  <p:childTnLst>
+                                    <p:set>
+                                      <p:cBhvr>
+                                        <p:cTn id="8" dur="1" fill="hold">
+                                          <p:stCondLst>
+                                            <p:cond delay="0"/>
+                                          </p:stCondLst>
+                                        </p:cTn>
+                                        <p:tgtEl>
+                                          <p:spTgt spid="6"/>
+                                        </p:tgtEl>
+                                        <p:attrNameLst>
+                                          <p:attrName>style.visibility</p:attrName>
+                                        </p:attrNameLst>
+                                      </p:cBhvr>
+                                      <p:to>
+                                        <p:strVal val="visible"/>
+                                      </p:to>
+                                    </p:set>
+                                  </p:childTnLst>
+                                </p:cTn>
+                              </p:par>
+                              <p:par>
+                                <p:cTn id="9" presetID="1" presetClass="entr" presetSubtype="0" fill="hold" nodeType="withEffect">
+                                  <p:stCondLst>
+                                    <p:cond delay="0"/>
+                                  </p:stCondLst>
+                                  <p:childTnLst>
+                                    <p:set>
+                                      <p:cBhvr>
+                                        <p:cTn id="10" dur="1" fill="hold">
+                                          <p:stCondLst>
+                                            <p:cond delay="0"/>
+                                          </p:stCondLst>
+                                        </p:cTn>
+                                        <p:tgtEl>
+                                          <p:spTgt spid="15"/>
+                                        </p:tgtEl>
+                                        <p:attrNameLst>
+                                          <p:attrName>style.visibility</p:attrName>
+                                        </p:attrNameLst>
+                                      </p:cBhvr>
+                                      <p:to>
+                                        <p:strVal val="visible"/>
+                                      </p:to>
+                                    </p:set>
+                                  </p:childTnLst>
+                                </p:cTn>
+                              </p:par>
+                            </p:childTnLst>
+                          </p:cTn>
+                        </p:par>
+                      </p:childTnLst>
+                    </p:cTn>
+                  </p:par>
+                  <p:par>
+                    <p:cTn id="11" fill="hold">
+                      <p:stCondLst>
+                        <p:cond delay="indefinite"/>
+                      </p:stCondLst>
+                      <p:childTnLst>
+                        <p:par>
+                          <p:cTn id="12" fill="hold">
+                            <p:stCondLst>
+                              <p:cond delay="0"/>
+                            </p:stCondLst>
+                            <p:childTnLst>
+                              <p:par>
+                                <p:cTn id="13" presetID="1" presetClass="entr" presetSubtype="0" fill="hold" grpId="0" nodeType="clickEffect">
+                                  <p:stCondLst>
+                                    <p:cond delay="0"/>
+                                  </p:stCondLst>
+                                  <p:childTnLst>
+                                    <p:set>
+                                      <p:cBhvr>
+                                        <p:cTn id="14" dur="1" fill="hold">
+                                          <p:stCondLst>
+                                            <p:cond delay="0"/>
+                                          </p:stCondLst>
+                                        </p:cTn>
+                                        <p:tgtEl>
+                                          <p:spTgt spid="7"/>
+                                        </p:tgtEl>
+                                        <p:attrNameLst>
+                                          <p:attrName>style.visibility</p:attrName>
+                                        </p:attrNameLst>
+                                      </p:cBhvr>
+                                      <p:to>
+                                        <p:strVal val="visible"/>
+                                      </p:to>
+                                    </p:set>
+                                  </p:childTnLst>
+                                </p:cTn>
+                              </p:par>
+                              <p:par>
+                                <p:cTn id="15" presetID="1" presetClass="entr" presetSubtype="0" fill="hold" nodeType="withEffect">
+                                  <p:stCondLst>
+                                    <p:cond delay="0"/>
+                                  </p:stCondLst>
+                                  <p:childTnLst>
+                                    <p:set>
+                                      <p:cBhvr>
+                                        <p:cTn id="16" dur="1" fill="hold">
+                                          <p:stCondLst>
+                                            <p:cond delay="0"/>
+                                          </p:stCondLst>
+                                        </p:cTn>
+                                        <p:tgtEl>
+                                          <p:spTgt spid="20"/>
+                                        </p:tgtEl>
+                                        <p:attrNameLst>
+                                          <p:attrName>style.visibility</p:attrName>
+                                        </p:attrNameLst>
+                                      </p:cBhvr>
+                                      <p:to>
+                                        <p:strVal val="visible"/>
+                                      </p:to>
+                                    </p:set>
+                                  </p:childTnLst>
+                                </p:cTn>
+                              </p:par>
+                              <p:par>
+                                <p:cTn id="17" presetID="1" presetClass="entr" presetSubtype="0" fill="hold" grpId="0" nodeType="withEffect">
+                                  <p:stCondLst>
+                                    <p:cond delay="0"/>
+                                  </p:stCondLst>
+                                  <p:childTnLst>
+                                    <p:set>
+                                      <p:cBhvr>
+                                        <p:cTn id="18" dur="1" fill="hold">
+                                          <p:stCondLst>
+                                            <p:cond delay="0"/>
+                                          </p:stCondLst>
+                                        </p:cTn>
+                                        <p:tgtEl>
+                                          <p:spTgt spid="22"/>
+                                        </p:tgtEl>
+                                        <p:attrNameLst>
+                                          <p:attrName>style.visibility</p:attrName>
+                                        </p:attrNameLst>
+                                      </p:cBhvr>
+                                      <p:to>
+                                        <p:strVal val="visible"/>
+                                      </p:to>
+                                    </p:set>
+                                  </p:childTnLst>
+                                </p:cTn>
+                              </p:par>
+                            </p:childTnLst>
+                          </p:cTn>
+                        </p:par>
+                      </p:childTnLst>
+                    </p:cTn>
+                  </p:par>
+                  <p:par>
+                    <p:cTn id="19" fill="hold">
+                      <p:stCondLst>
+                        <p:cond delay="indefinite"/>
+                      </p:stCondLst>
+                      <p:childTnLst>
+                        <p:par>
+                          <p:cTn id="20" fill="hold">
+                            <p:stCondLst>
+                              <p:cond delay="0"/>
+                            </p:stCondLst>
+                            <p:childTnLst>
+                              <p:par>
+                                <p:cTn id="21" presetID="1" presetClass="entr" presetSubtype="0" fill="hold" grpId="0" nodeType="clickEffect">
+                                  <p:stCondLst>
+                                    <p:cond delay="0"/>
+                                  </p:stCondLst>
+                                  <p:childTnLst>
+                                    <p:set>
+                                      <p:cBhvr>
+                                        <p:cTn id="22" dur="1" fill="hold">
+                                          <p:stCondLst>
+                                            <p:cond delay="0"/>
+                                          </p:stCondLst>
+                                        </p:cTn>
+                                        <p:tgtEl>
+                                          <p:spTgt spid="27"/>
+                                        </p:tgtEl>
+                                        <p:attrNameLst>
+                                          <p:attrName>style.visibility</p:attrName>
+                                        </p:attrNameLst>
+                                      </p:cBhvr>
+                                      <p:to>
+                                        <p:strVal val="visible"/>
+                                      </p:to>
+                                    </p:set>
+                                  </p:childTnLst>
+                                </p:cTn>
+                              </p:par>
+                              <p:par>
+                                <p:cTn id="23" presetID="1" presetClass="entr" presetSubtype="0" fill="hold" nodeType="withEffect">
+                                  <p:stCondLst>
+                                    <p:cond delay="0"/>
+                                  </p:stCondLst>
+                                  <p:childTnLst>
+                                    <p:set>
+                                      <p:cBhvr>
+                                        <p:cTn id="24" dur="1" fill="hold">
+                                          <p:stCondLst>
+                                            <p:cond delay="0"/>
+                                          </p:stCondLst>
+                                        </p:cTn>
+                                        <p:tgtEl>
+                                          <p:spTgt spid="23"/>
+                                        </p:tgtEl>
+                                        <p:attrNameLst>
+                                          <p:attrName>style.visibility</p:attrName>
+                                        </p:attrNameLst>
+                                      </p:cBhvr>
+                                      <p:to>
+                                        <p:strVal val="visible"/>
+                                      </p:to>
+                                    </p:set>
+                                  </p:childTnLst>
+                                </p:cTn>
+                              </p:par>
+                              <p:par>
+                                <p:cTn id="25" presetID="1" presetClass="entr" presetSubtype="0" fill="hold" grpId="0" nodeType="withEffect">
+                                  <p:stCondLst>
+                                    <p:cond delay="0"/>
+                                  </p:stCondLst>
+                                  <p:childTnLst>
+                                    <p:set>
+                                      <p:cBhvr>
+                                        <p:cTn id="26" dur="1" fill="hold">
+                                          <p:stCondLst>
+                                            <p:cond delay="0"/>
+                                          </p:stCondLst>
+                                        </p:cTn>
+                                        <p:tgtEl>
+                                          <p:spTgt spid="8"/>
+                                        </p:tgtEl>
+                                        <p:attrNameLst>
+                                          <p:attrName>style.visibility</p:attrName>
+                                        </p:attrNameLst>
+                                      </p:cBhvr>
+                                      <p:to>
+                                        <p:strVal val="visible"/>
+                                      </p:to>
+                                    </p:set>
+                                  </p:childTnLst>
+                                </p:cTn>
+                              </p:par>
+                            </p:childTnLst>
+                          </p:cTn>
+                        </p:par>
+                      </p:childTnLst>
+                    </p:cTn>
+                  </p:par>
+                </p:childTnLst>
+              </p:cTn>
+              <p:prevCondLst>
+                <p:cond evt="onPrev" delay="0">
+                  <p:tgtEl>
+                    <p:sldTgt/>
+                  </p:tgtEl>
+                </p:cond>
+              </p:prevCondLst>
+              <p:nextCondLst>
+                <p:cond evt="onNext" delay="0">
+                  <p:tgtEl>
+                    <p:sldTgt/>
+                  </p:tgtEl>
+                </p:cond>
+              </p:nextCondLst>
+            </p:seq>
+          </p:childTnLst>
+        </p:cTn>
+      </p:par>
+    </p:tnLst>
+    <p:bldLst>
+      <p:bldP spid="6" grpId="0" animBg="1"/>
+      <p:bldP spid="7" grpId="0" animBg="1"/>
+      <p:bldP spid="8" grpId="0" animBg="1"/>
+      <p:bldP spid="19" grpId="0"/>
+      <p:bldP spid="22" grpId="0"/>
+      <p:bldP spid="27" grpId="0"/>
+    </p:bldLst>
+  </p:timing>
 </p:sld>
 </file>
 
